--- a/Doc/行銷/易點雙視 v3 有哪些新功能與改善.pptx
+++ b/Doc/行銷/易點雙視 v3 有哪些新功能與改善.pptx
@@ -123,6 +123,14 @@
       </a:defRPr>
     </a:lvl9pPr>
   </p:defaultTextStyle>
+  <p:extLst>
+    <p:ext uri="{EFAFB233-063F-42B5-8137-9DF3F51BA10A}">
+      <p15:sldGuideLst xmlns:p15="http://schemas.microsoft.com/office/powerpoint/2012/main"/>
+    </p:ext>
+    <p:ext uri="{2D200454-40CA-4A62-9FC3-DE9A4176ACB9}">
+      <p15:notesGuideLst xmlns:p15="http://schemas.microsoft.com/office/powerpoint/2012/main"/>
+    </p:ext>
+  </p:extLst>
 </p:presentation>
 </file>
 
@@ -4731,23 +4739,17 @@
             </a:br>
             <a:r>
               <a:rPr lang="zh-TW" altLang="en-US" dirty="0"/>
-              <a:t>（目前的版本，雙</a:t>
-            </a:r>
+              <a:t>（目前的版本在編輯雙視文件時，一次只能輸入一個中文字。）</a:t>
+            </a:r>
+            <a:endParaRPr lang="en-US" altLang="zh-TW" dirty="0"/>
+          </a:p>
+          <a:p>
             <a:r>
               <a:rPr lang="zh-CN" altLang="en-US" dirty="0">
                 <a:latin typeface="微軟正黑體" panose="020B0604030504040204" pitchFamily="34" charset="-120"/>
                 <a:ea typeface="微軟正黑體" panose="020B0604030504040204" pitchFamily="34" charset="-120"/>
               </a:rPr>
               <a:t>改善數學點字（發布新版本時會再提供相關細節與說明）。</a:t>
-            </a:r>
-            <a:endParaRPr lang="zh-TW" altLang="en-US" dirty="0">
-              <a:latin typeface="微軟正黑體" panose="020B0604030504040204" pitchFamily="34" charset="-120"/>
-            </a:endParaRPr>
-          </a:p>
-          <a:p>
-            <a:r>
-              <a:rPr lang="zh-TW" altLang="en-US" dirty="0"/>
-              <a:t>視編輯時一次只能輸入一個中文字。）</a:t>
             </a:r>
             <a:endParaRPr lang="en-US" altLang="zh-TW" dirty="0"/>
           </a:p>
@@ -4945,7 +4947,7 @@
           <a:p>
             <a:r>
               <a:rPr lang="zh-TW" altLang="en-US" dirty="0"/>
-              <a:t>請追蹤臉書的粉絲專頁！</a:t>
+              <a:t>請追蹤臉書粉絲專頁！</a:t>
             </a:r>
           </a:p>
         </p:txBody>

--- a/Doc/行銷/易點雙視 v3 有哪些新功能與改善.pptx
+++ b/Doc/行銷/易點雙視 v3 有哪些新功能與改善.pptx
@@ -228,7 +228,7 @@
           <a:p>
             <a:fld id="{13BB8043-230E-4F9D-B6C4-A08CE48FEB4C}" type="datetimeFigureOut">
               <a:rPr lang="zh-TW" altLang="en-US" smtClean="0"/>
-              <a:t>2018/5/20</a:t>
+              <a:t>2018/5/21</a:t>
             </a:fld>
             <a:endParaRPr lang="zh-TW" altLang="en-US"/>
           </a:p>
@@ -470,7 +470,7 @@
           <a:p>
             <a:fld id="{1B3FC8A9-7E50-4A5B-8593-1395B9D244EB}" type="datetimeFigureOut">
               <a:rPr lang="zh-TW" altLang="en-US" smtClean="0"/>
-              <a:t>2018/5/20</a:t>
+              <a:t>2018/5/21</a:t>
             </a:fld>
             <a:endParaRPr lang="zh-TW" altLang="en-US"/>
           </a:p>
@@ -668,7 +668,7 @@
           <a:p>
             <a:fld id="{1B3FC8A9-7E50-4A5B-8593-1395B9D244EB}" type="datetimeFigureOut">
               <a:rPr lang="zh-TW" altLang="en-US" smtClean="0"/>
-              <a:t>2018/5/20</a:t>
+              <a:t>2018/5/21</a:t>
             </a:fld>
             <a:endParaRPr lang="zh-TW" altLang="en-US"/>
           </a:p>
@@ -876,7 +876,7 @@
           <a:p>
             <a:fld id="{1B3FC8A9-7E50-4A5B-8593-1395B9D244EB}" type="datetimeFigureOut">
               <a:rPr lang="zh-TW" altLang="en-US" smtClean="0"/>
-              <a:t>2018/5/20</a:t>
+              <a:t>2018/5/21</a:t>
             </a:fld>
             <a:endParaRPr lang="zh-TW" altLang="en-US"/>
           </a:p>
@@ -1074,7 +1074,7 @@
           <a:p>
             <a:fld id="{1B3FC8A9-7E50-4A5B-8593-1395B9D244EB}" type="datetimeFigureOut">
               <a:rPr lang="zh-TW" altLang="en-US" smtClean="0"/>
-              <a:t>2018/5/20</a:t>
+              <a:t>2018/5/21</a:t>
             </a:fld>
             <a:endParaRPr lang="zh-TW" altLang="en-US"/>
           </a:p>
@@ -1349,7 +1349,7 @@
           <a:p>
             <a:fld id="{1B3FC8A9-7E50-4A5B-8593-1395B9D244EB}" type="datetimeFigureOut">
               <a:rPr lang="zh-TW" altLang="en-US" smtClean="0"/>
-              <a:t>2018/5/20</a:t>
+              <a:t>2018/5/21</a:t>
             </a:fld>
             <a:endParaRPr lang="zh-TW" altLang="en-US"/>
           </a:p>
@@ -1614,7 +1614,7 @@
           <a:p>
             <a:fld id="{1B3FC8A9-7E50-4A5B-8593-1395B9D244EB}" type="datetimeFigureOut">
               <a:rPr lang="zh-TW" altLang="en-US" smtClean="0"/>
-              <a:t>2018/5/20</a:t>
+              <a:t>2018/5/21</a:t>
             </a:fld>
             <a:endParaRPr lang="zh-TW" altLang="en-US"/>
           </a:p>
@@ -2026,7 +2026,7 @@
           <a:p>
             <a:fld id="{1B3FC8A9-7E50-4A5B-8593-1395B9D244EB}" type="datetimeFigureOut">
               <a:rPr lang="zh-TW" altLang="en-US" smtClean="0"/>
-              <a:t>2018/5/20</a:t>
+              <a:t>2018/5/21</a:t>
             </a:fld>
             <a:endParaRPr lang="zh-TW" altLang="en-US"/>
           </a:p>
@@ -2167,7 +2167,7 @@
           <a:p>
             <a:fld id="{1B3FC8A9-7E50-4A5B-8593-1395B9D244EB}" type="datetimeFigureOut">
               <a:rPr lang="zh-TW" altLang="en-US" smtClean="0"/>
-              <a:t>2018/5/20</a:t>
+              <a:t>2018/5/21</a:t>
             </a:fld>
             <a:endParaRPr lang="zh-TW" altLang="en-US"/>
           </a:p>
@@ -2280,7 +2280,7 @@
           <a:p>
             <a:fld id="{1B3FC8A9-7E50-4A5B-8593-1395B9D244EB}" type="datetimeFigureOut">
               <a:rPr lang="zh-TW" altLang="en-US" smtClean="0"/>
-              <a:t>2018/5/20</a:t>
+              <a:t>2018/5/21</a:t>
             </a:fld>
             <a:endParaRPr lang="zh-TW" altLang="en-US"/>
           </a:p>
@@ -2591,7 +2591,7 @@
           <a:p>
             <a:fld id="{1B3FC8A9-7E50-4A5B-8593-1395B9D244EB}" type="datetimeFigureOut">
               <a:rPr lang="zh-TW" altLang="en-US" smtClean="0"/>
-              <a:t>2018/5/20</a:t>
+              <a:t>2018/5/21</a:t>
             </a:fld>
             <a:endParaRPr lang="zh-TW" altLang="en-US"/>
           </a:p>
@@ -2879,7 +2879,7 @@
           <a:p>
             <a:fld id="{1B3FC8A9-7E50-4A5B-8593-1395B9D244EB}" type="datetimeFigureOut">
               <a:rPr lang="zh-TW" altLang="en-US" smtClean="0"/>
-              <a:t>2018/5/20</a:t>
+              <a:t>2018/5/21</a:t>
             </a:fld>
             <a:endParaRPr lang="zh-TW" altLang="en-US"/>
           </a:p>
@@ -3120,7 +3120,7 @@
           <a:p>
             <a:fld id="{1B3FC8A9-7E50-4A5B-8593-1395B9D244EB}" type="datetimeFigureOut">
               <a:rPr lang="zh-TW" altLang="en-US" smtClean="0"/>
-              <a:t>2018/5/20</a:t>
+              <a:t>2018/5/21</a:t>
             </a:fld>
             <a:endParaRPr lang="zh-TW" altLang="en-US"/>
           </a:p>
@@ -5146,7 +5146,7 @@
           <a:p>
             <a:r>
               <a:rPr lang="zh-TW" altLang="en-US" dirty="0"/>
-              <a:t>重大改善</a:t>
+              <a:t>重要更新事項</a:t>
             </a:r>
           </a:p>
         </p:txBody>
@@ -5445,6 +5445,13 @@
             <a:r>
               <a:rPr lang="zh-TW" altLang="en-US" dirty="0"/>
               <a:t>可將編輯好的雙視文件匯出純文字（明眼字）的部分，以便將來重複利用這些文字，例如修改之後再重新轉成雙視文件。</a:t>
+            </a:r>
+            <a:endParaRPr lang="en-US" altLang="zh-TW" dirty="0"/>
+          </a:p>
+          <a:p>
+            <a:r>
+              <a:rPr lang="zh-TW" altLang="en-US" dirty="0"/>
+              <a:t>雙視編輯模式下，增加「匯出點字檔」功能，以便讓「超點」的「中英文點字編輯器」程式可以讀取。</a:t>
             </a:r>
             <a:endParaRPr lang="en-US" altLang="zh-TW" dirty="0"/>
           </a:p>

--- a/Doc/行銷/易點雙視 v3 有哪些新功能與改善.pptx
+++ b/Doc/行銷/易點雙視 v3 有哪些新功能與改善.pptx
@@ -5,7 +5,7 @@
     <p:sldMasterId id="2147483648" r:id="rId1"/>
   </p:sldMasterIdLst>
   <p:handoutMasterIdLst>
-    <p:handoutMasterId r:id="rId19"/>
+    <p:handoutMasterId r:id="rId20"/>
   </p:handoutMasterIdLst>
   <p:sldIdLst>
     <p:sldId id="256" r:id="rId2"/>
@@ -13,18 +13,19 @@
     <p:sldId id="258" r:id="rId4"/>
     <p:sldId id="257" r:id="rId5"/>
     <p:sldId id="264" r:id="rId6"/>
-    <p:sldId id="269" r:id="rId7"/>
-    <p:sldId id="262" r:id="rId8"/>
-    <p:sldId id="263" r:id="rId9"/>
-    <p:sldId id="260" r:id="rId10"/>
-    <p:sldId id="261" r:id="rId11"/>
-    <p:sldId id="259" r:id="rId12"/>
-    <p:sldId id="272" r:id="rId13"/>
-    <p:sldId id="266" r:id="rId14"/>
-    <p:sldId id="267" r:id="rId15"/>
-    <p:sldId id="268" r:id="rId16"/>
-    <p:sldId id="265" r:id="rId17"/>
-    <p:sldId id="271" r:id="rId18"/>
+    <p:sldId id="273" r:id="rId7"/>
+    <p:sldId id="269" r:id="rId8"/>
+    <p:sldId id="262" r:id="rId9"/>
+    <p:sldId id="263" r:id="rId10"/>
+    <p:sldId id="260" r:id="rId11"/>
+    <p:sldId id="261" r:id="rId12"/>
+    <p:sldId id="259" r:id="rId13"/>
+    <p:sldId id="272" r:id="rId14"/>
+    <p:sldId id="266" r:id="rId15"/>
+    <p:sldId id="267" r:id="rId16"/>
+    <p:sldId id="268" r:id="rId17"/>
+    <p:sldId id="265" r:id="rId18"/>
+    <p:sldId id="271" r:id="rId19"/>
   </p:sldIdLst>
   <p:sldSz cx="12192000" cy="6858000"/>
   <p:notesSz cx="6858000" cy="9144000"/>
@@ -228,7 +229,7 @@
           <a:p>
             <a:fld id="{13BB8043-230E-4F9D-B6C4-A08CE48FEB4C}" type="datetimeFigureOut">
               <a:rPr lang="zh-TW" altLang="en-US" smtClean="0"/>
-              <a:t>2018/5/21</a:t>
+              <a:t>2018/5/22</a:t>
             </a:fld>
             <a:endParaRPr lang="zh-TW" altLang="en-US"/>
           </a:p>
@@ -470,7 +471,7 @@
           <a:p>
             <a:fld id="{1B3FC8A9-7E50-4A5B-8593-1395B9D244EB}" type="datetimeFigureOut">
               <a:rPr lang="zh-TW" altLang="en-US" smtClean="0"/>
-              <a:t>2018/5/21</a:t>
+              <a:t>2018/5/22</a:t>
             </a:fld>
             <a:endParaRPr lang="zh-TW" altLang="en-US"/>
           </a:p>
@@ -668,7 +669,7 @@
           <a:p>
             <a:fld id="{1B3FC8A9-7E50-4A5B-8593-1395B9D244EB}" type="datetimeFigureOut">
               <a:rPr lang="zh-TW" altLang="en-US" smtClean="0"/>
-              <a:t>2018/5/21</a:t>
+              <a:t>2018/5/22</a:t>
             </a:fld>
             <a:endParaRPr lang="zh-TW" altLang="en-US"/>
           </a:p>
@@ -876,7 +877,7 @@
           <a:p>
             <a:fld id="{1B3FC8A9-7E50-4A5B-8593-1395B9D244EB}" type="datetimeFigureOut">
               <a:rPr lang="zh-TW" altLang="en-US" smtClean="0"/>
-              <a:t>2018/5/21</a:t>
+              <a:t>2018/5/22</a:t>
             </a:fld>
             <a:endParaRPr lang="zh-TW" altLang="en-US"/>
           </a:p>
@@ -1074,7 +1075,7 @@
           <a:p>
             <a:fld id="{1B3FC8A9-7E50-4A5B-8593-1395B9D244EB}" type="datetimeFigureOut">
               <a:rPr lang="zh-TW" altLang="en-US" smtClean="0"/>
-              <a:t>2018/5/21</a:t>
+              <a:t>2018/5/22</a:t>
             </a:fld>
             <a:endParaRPr lang="zh-TW" altLang="en-US"/>
           </a:p>
@@ -1349,7 +1350,7 @@
           <a:p>
             <a:fld id="{1B3FC8A9-7E50-4A5B-8593-1395B9D244EB}" type="datetimeFigureOut">
               <a:rPr lang="zh-TW" altLang="en-US" smtClean="0"/>
-              <a:t>2018/5/21</a:t>
+              <a:t>2018/5/22</a:t>
             </a:fld>
             <a:endParaRPr lang="zh-TW" altLang="en-US"/>
           </a:p>
@@ -1614,7 +1615,7 @@
           <a:p>
             <a:fld id="{1B3FC8A9-7E50-4A5B-8593-1395B9D244EB}" type="datetimeFigureOut">
               <a:rPr lang="zh-TW" altLang="en-US" smtClean="0"/>
-              <a:t>2018/5/21</a:t>
+              <a:t>2018/5/22</a:t>
             </a:fld>
             <a:endParaRPr lang="zh-TW" altLang="en-US"/>
           </a:p>
@@ -2026,7 +2027,7 @@
           <a:p>
             <a:fld id="{1B3FC8A9-7E50-4A5B-8593-1395B9D244EB}" type="datetimeFigureOut">
               <a:rPr lang="zh-TW" altLang="en-US" smtClean="0"/>
-              <a:t>2018/5/21</a:t>
+              <a:t>2018/5/22</a:t>
             </a:fld>
             <a:endParaRPr lang="zh-TW" altLang="en-US"/>
           </a:p>
@@ -2167,7 +2168,7 @@
           <a:p>
             <a:fld id="{1B3FC8A9-7E50-4A5B-8593-1395B9D244EB}" type="datetimeFigureOut">
               <a:rPr lang="zh-TW" altLang="en-US" smtClean="0"/>
-              <a:t>2018/5/21</a:t>
+              <a:t>2018/5/22</a:t>
             </a:fld>
             <a:endParaRPr lang="zh-TW" altLang="en-US"/>
           </a:p>
@@ -2280,7 +2281,7 @@
           <a:p>
             <a:fld id="{1B3FC8A9-7E50-4A5B-8593-1395B9D244EB}" type="datetimeFigureOut">
               <a:rPr lang="zh-TW" altLang="en-US" smtClean="0"/>
-              <a:t>2018/5/21</a:t>
+              <a:t>2018/5/22</a:t>
             </a:fld>
             <a:endParaRPr lang="zh-TW" altLang="en-US"/>
           </a:p>
@@ -2591,7 +2592,7 @@
           <a:p>
             <a:fld id="{1B3FC8A9-7E50-4A5B-8593-1395B9D244EB}" type="datetimeFigureOut">
               <a:rPr lang="zh-TW" altLang="en-US" smtClean="0"/>
-              <a:t>2018/5/21</a:t>
+              <a:t>2018/5/22</a:t>
             </a:fld>
             <a:endParaRPr lang="zh-TW" altLang="en-US"/>
           </a:p>
@@ -2879,7 +2880,7 @@
           <a:p>
             <a:fld id="{1B3FC8A9-7E50-4A5B-8593-1395B9D244EB}" type="datetimeFigureOut">
               <a:rPr lang="zh-TW" altLang="en-US" smtClean="0"/>
-              <a:t>2018/5/21</a:t>
+              <a:t>2018/5/22</a:t>
             </a:fld>
             <a:endParaRPr lang="zh-TW" altLang="en-US"/>
           </a:p>
@@ -3120,7 +3121,7 @@
           <a:p>
             <a:fld id="{1B3FC8A9-7E50-4A5B-8593-1395B9D244EB}" type="datetimeFigureOut">
               <a:rPr lang="zh-TW" altLang="en-US" smtClean="0"/>
-              <a:t>2018/5/21</a:t>
+              <a:t>2018/5/22</a:t>
             </a:fld>
             <a:endParaRPr lang="zh-TW" altLang="en-US"/>
           </a:p>
@@ -3654,6 +3655,326 @@
           <p:cNvPr id="2" name="標題 1">
             <a:extLst>
               <a:ext uri="{FF2B5EF4-FFF2-40B4-BE49-F238E27FC236}">
+                <a16:creationId xmlns:a16="http://schemas.microsoft.com/office/drawing/2014/main" id="{A20933C2-BFD3-413C-B809-C369D57B4E11}"/>
+              </a:ext>
+            </a:extLst>
+          </p:cNvPr>
+          <p:cNvSpPr>
+            <a:spLocks noGrp="1"/>
+          </p:cNvSpPr>
+          <p:nvPr>
+            <p:ph type="title"/>
+          </p:nvPr>
+        </p:nvSpPr>
+        <p:spPr/>
+        <p:txBody>
+          <a:bodyPr/>
+          <a:lstStyle/>
+          <a:p>
+            <a:r>
+              <a:rPr lang="zh-CN" altLang="en-US" dirty="0"/>
+              <a:t>上表格線與下表格線</a:t>
+            </a:r>
+            <a:endParaRPr lang="zh-TW" altLang="en-US" dirty="0"/>
+          </a:p>
+        </p:txBody>
+      </p:sp>
+      <p:pic>
+        <p:nvPicPr>
+          <p:cNvPr id="4" name="圖片 3">
+            <a:extLst>
+              <a:ext uri="{FF2B5EF4-FFF2-40B4-BE49-F238E27FC236}">
+                <a16:creationId xmlns:a16="http://schemas.microsoft.com/office/drawing/2014/main" id="{F298D46D-8457-4E87-8C61-1DB5B84CE97B}"/>
+              </a:ext>
+            </a:extLst>
+          </p:cNvPr>
+          <p:cNvPicPr>
+            <a:picLocks noChangeAspect="1"/>
+          </p:cNvPicPr>
+          <p:nvPr/>
+        </p:nvPicPr>
+        <p:blipFill>
+          <a:blip r:embed="rId2"/>
+          <a:stretch>
+            <a:fillRect/>
+          </a:stretch>
+        </p:blipFill>
+        <p:spPr>
+          <a:xfrm>
+            <a:off x="838200" y="1642767"/>
+            <a:ext cx="2645684" cy="3572465"/>
+          </a:xfrm>
+          <a:prstGeom prst="rect">
+            <a:avLst/>
+          </a:prstGeom>
+        </p:spPr>
+      </p:pic>
+      <p:pic>
+        <p:nvPicPr>
+          <p:cNvPr id="1026" name="Picture 2" descr="C:\Users\Huanlin\AppData\Local\Temp\SNAGHTML4f2dcd5.PNG">
+            <a:extLst>
+              <a:ext uri="{FF2B5EF4-FFF2-40B4-BE49-F238E27FC236}">
+                <a16:creationId xmlns:a16="http://schemas.microsoft.com/office/drawing/2014/main" id="{245C101B-2730-4B19-80AD-5A27CDBDCCBF}"/>
+              </a:ext>
+            </a:extLst>
+          </p:cNvPr>
+          <p:cNvPicPr>
+            <a:picLocks noChangeAspect="1" noChangeArrowheads="1"/>
+          </p:cNvPicPr>
+          <p:nvPr/>
+        </p:nvPicPr>
+        <p:blipFill>
+          <a:blip r:embed="rId3">
+            <a:extLst>
+              <a:ext uri="{28A0092B-C50C-407E-A947-70E740481C1C}">
+                <a14:useLocalDpi xmlns:a14="http://schemas.microsoft.com/office/drawing/2010/main" val="0"/>
+              </a:ext>
+            </a:extLst>
+          </a:blip>
+          <a:srcRect/>
+          <a:stretch>
+            <a:fillRect/>
+          </a:stretch>
+        </p:blipFill>
+        <p:spPr bwMode="auto">
+          <a:xfrm>
+            <a:off x="4680821" y="1397725"/>
+            <a:ext cx="7135542" cy="4967055"/>
+          </a:xfrm>
+          <a:prstGeom prst="rect">
+            <a:avLst/>
+          </a:prstGeom>
+          <a:noFill/>
+          <a:extLst>
+            <a:ext uri="{909E8E84-426E-40DD-AFC4-6F175D3DCCD1}">
+              <a14:hiddenFill xmlns:a14="http://schemas.microsoft.com/office/drawing/2010/main">
+                <a:solidFill>
+                  <a:srgbClr val="FFFFFF"/>
+                </a:solidFill>
+              </a14:hiddenFill>
+            </a:ext>
+          </a:extLst>
+        </p:spPr>
+      </p:pic>
+      <p:sp>
+        <p:nvSpPr>
+          <p:cNvPr id="11" name="箭號: 向右 10">
+            <a:extLst>
+              <a:ext uri="{FF2B5EF4-FFF2-40B4-BE49-F238E27FC236}">
+                <a16:creationId xmlns:a16="http://schemas.microsoft.com/office/drawing/2014/main" id="{CB69BACB-0E04-4F3A-B203-28BA7D0FC134}"/>
+              </a:ext>
+            </a:extLst>
+          </p:cNvPr>
+          <p:cNvSpPr/>
+          <p:nvPr/>
+        </p:nvSpPr>
+        <p:spPr>
+          <a:xfrm rot="636455">
+            <a:off x="3399969" y="2007228"/>
+            <a:ext cx="1270954" cy="239464"/>
+          </a:xfrm>
+          <a:prstGeom prst="rightArrow">
+            <a:avLst/>
+          </a:prstGeom>
+        </p:spPr>
+        <p:style>
+          <a:lnRef idx="2">
+            <a:schemeClr val="accent1">
+              <a:shade val="50000"/>
+            </a:schemeClr>
+          </a:lnRef>
+          <a:fillRef idx="1">
+            <a:schemeClr val="accent1"/>
+          </a:fillRef>
+          <a:effectRef idx="0">
+            <a:schemeClr val="accent1"/>
+          </a:effectRef>
+          <a:fontRef idx="minor">
+            <a:schemeClr val="lt1"/>
+          </a:fontRef>
+        </p:style>
+        <p:txBody>
+          <a:bodyPr rtlCol="0" anchor="ctr"/>
+          <a:lstStyle/>
+          <a:p>
+            <a:pPr algn="ctr"/>
+            <a:endParaRPr lang="zh-TW" altLang="en-US"/>
+          </a:p>
+        </p:txBody>
+      </p:sp>
+      <p:sp>
+        <p:nvSpPr>
+          <p:cNvPr id="13" name="箭號: 向右 12">
+            <a:extLst>
+              <a:ext uri="{FF2B5EF4-FFF2-40B4-BE49-F238E27FC236}">
+                <a16:creationId xmlns:a16="http://schemas.microsoft.com/office/drawing/2014/main" id="{3019C19D-65BA-41D5-960D-BA77BCB0EAFE}"/>
+              </a:ext>
+            </a:extLst>
+          </p:cNvPr>
+          <p:cNvSpPr/>
+          <p:nvPr/>
+        </p:nvSpPr>
+        <p:spPr>
+          <a:xfrm rot="2049698">
+            <a:off x="3281556" y="2868617"/>
+            <a:ext cx="1891982" cy="199426"/>
+          </a:xfrm>
+          <a:prstGeom prst="rightArrow">
+            <a:avLst/>
+          </a:prstGeom>
+        </p:spPr>
+        <p:style>
+          <a:lnRef idx="2">
+            <a:schemeClr val="accent1">
+              <a:shade val="50000"/>
+            </a:schemeClr>
+          </a:lnRef>
+          <a:fillRef idx="1">
+            <a:schemeClr val="accent1"/>
+          </a:fillRef>
+          <a:effectRef idx="0">
+            <a:schemeClr val="accent1"/>
+          </a:effectRef>
+          <a:fontRef idx="minor">
+            <a:schemeClr val="lt1"/>
+          </a:fontRef>
+        </p:style>
+        <p:txBody>
+          <a:bodyPr rtlCol="0" anchor="ctr"/>
+          <a:lstStyle/>
+          <a:p>
+            <a:pPr algn="ctr"/>
+            <a:endParaRPr lang="zh-TW" altLang="en-US"/>
+          </a:p>
+        </p:txBody>
+      </p:sp>
+      <p:sp>
+        <p:nvSpPr>
+          <p:cNvPr id="14" name="箭號: 向右 13">
+            <a:extLst>
+              <a:ext uri="{FF2B5EF4-FFF2-40B4-BE49-F238E27FC236}">
+                <a16:creationId xmlns:a16="http://schemas.microsoft.com/office/drawing/2014/main" id="{FB09E267-1252-4F19-BEEE-D2B2E3DD1029}"/>
+              </a:ext>
+            </a:extLst>
+          </p:cNvPr>
+          <p:cNvSpPr/>
+          <p:nvPr/>
+        </p:nvSpPr>
+        <p:spPr>
+          <a:xfrm rot="2767485">
+            <a:off x="3049400" y="3592150"/>
+            <a:ext cx="2292906" cy="210463"/>
+          </a:xfrm>
+          <a:prstGeom prst="rightArrow">
+            <a:avLst/>
+          </a:prstGeom>
+        </p:spPr>
+        <p:style>
+          <a:lnRef idx="2">
+            <a:schemeClr val="accent1">
+              <a:shade val="50000"/>
+            </a:schemeClr>
+          </a:lnRef>
+          <a:fillRef idx="1">
+            <a:schemeClr val="accent1"/>
+          </a:fillRef>
+          <a:effectRef idx="0">
+            <a:schemeClr val="accent1"/>
+          </a:effectRef>
+          <a:fontRef idx="minor">
+            <a:schemeClr val="lt1"/>
+          </a:fontRef>
+        </p:style>
+        <p:txBody>
+          <a:bodyPr rtlCol="0" anchor="ctr"/>
+          <a:lstStyle/>
+          <a:p>
+            <a:pPr algn="ctr"/>
+            <a:endParaRPr lang="zh-TW" altLang="en-US"/>
+          </a:p>
+        </p:txBody>
+      </p:sp>
+      <p:sp>
+        <p:nvSpPr>
+          <p:cNvPr id="15" name="箭號: 向右 14">
+            <a:extLst>
+              <a:ext uri="{FF2B5EF4-FFF2-40B4-BE49-F238E27FC236}">
+                <a16:creationId xmlns:a16="http://schemas.microsoft.com/office/drawing/2014/main" id="{5BF8E7E0-08E5-4C66-8A3E-23FDC28D1516}"/>
+              </a:ext>
+            </a:extLst>
+          </p:cNvPr>
+          <p:cNvSpPr/>
+          <p:nvPr/>
+        </p:nvSpPr>
+        <p:spPr>
+          <a:xfrm rot="3241004">
+            <a:off x="2702128" y="4336970"/>
+            <a:ext cx="2760447" cy="221104"/>
+          </a:xfrm>
+          <a:prstGeom prst="rightArrow">
+            <a:avLst/>
+          </a:prstGeom>
+        </p:spPr>
+        <p:style>
+          <a:lnRef idx="2">
+            <a:schemeClr val="accent1">
+              <a:shade val="50000"/>
+            </a:schemeClr>
+          </a:lnRef>
+          <a:fillRef idx="1">
+            <a:schemeClr val="accent1"/>
+          </a:fillRef>
+          <a:effectRef idx="0">
+            <a:schemeClr val="accent1"/>
+          </a:effectRef>
+          <a:fontRef idx="minor">
+            <a:schemeClr val="lt1"/>
+          </a:fontRef>
+        </p:style>
+        <p:txBody>
+          <a:bodyPr rtlCol="0" anchor="ctr"/>
+          <a:lstStyle/>
+          <a:p>
+            <a:pPr algn="ctr"/>
+            <a:endParaRPr lang="zh-TW" altLang="en-US"/>
+          </a:p>
+        </p:txBody>
+      </p:sp>
+    </p:spTree>
+    <p:extLst>
+      <p:ext uri="{BB962C8B-B14F-4D97-AF65-F5344CB8AC3E}">
+        <p14:creationId xmlns:p14="http://schemas.microsoft.com/office/powerpoint/2010/main" val="1561461948"/>
+      </p:ext>
+    </p:extLst>
+  </p:cSld>
+  <p:clrMapOvr>
+    <a:masterClrMapping/>
+  </p:clrMapOvr>
+</p:sld>
+</file>
+
+<file path=ppt/slides/slide11.xml><?xml version="1.0" encoding="utf-8"?>
+<p:sld xmlns:a="http://schemas.openxmlformats.org/drawingml/2006/main" xmlns:r="http://schemas.openxmlformats.org/officeDocument/2006/relationships" xmlns:p="http://schemas.openxmlformats.org/presentationml/2006/main">
+  <p:cSld>
+    <p:spTree>
+      <p:nvGrpSpPr>
+        <p:cNvPr id="1" name=""/>
+        <p:cNvGrpSpPr/>
+        <p:nvPr/>
+      </p:nvGrpSpPr>
+      <p:grpSpPr>
+        <a:xfrm>
+          <a:off x="0" y="0"/>
+          <a:ext cx="0" cy="0"/>
+          <a:chOff x="0" y="0"/>
+          <a:chExt cx="0" cy="0"/>
+        </a:xfrm>
+      </p:grpSpPr>
+      <p:sp>
+        <p:nvSpPr>
+          <p:cNvPr id="2" name="標題 1">
+            <a:extLst>
+              <a:ext uri="{FF2B5EF4-FFF2-40B4-BE49-F238E27FC236}">
                 <a16:creationId xmlns:a16="http://schemas.microsoft.com/office/drawing/2014/main" id="{A35A7EFE-9A6B-4542-96B2-0CEEC2F9582B}"/>
               </a:ext>
             </a:extLst>
@@ -3813,181 +4134,6 @@
 </p:sld>
 </file>
 
-<file path=ppt/slides/slide11.xml><?xml version="1.0" encoding="utf-8"?>
-<p:sld xmlns:a="http://schemas.openxmlformats.org/drawingml/2006/main" xmlns:r="http://schemas.openxmlformats.org/officeDocument/2006/relationships" xmlns:p="http://schemas.openxmlformats.org/presentationml/2006/main">
-  <p:cSld>
-    <p:spTree>
-      <p:nvGrpSpPr>
-        <p:cNvPr id="1" name=""/>
-        <p:cNvGrpSpPr/>
-        <p:nvPr/>
-      </p:nvGrpSpPr>
-      <p:grpSpPr>
-        <a:xfrm>
-          <a:off x="0" y="0"/>
-          <a:ext cx="0" cy="0"/>
-          <a:chOff x="0" y="0"/>
-          <a:chExt cx="0" cy="0"/>
-        </a:xfrm>
-      </p:grpSpPr>
-      <p:sp>
-        <p:nvSpPr>
-          <p:cNvPr id="2" name="標題 1">
-            <a:extLst>
-              <a:ext uri="{FF2B5EF4-FFF2-40B4-BE49-F238E27FC236}">
-                <a16:creationId xmlns:a16="http://schemas.microsoft.com/office/drawing/2014/main" id="{99F0BE78-01E7-4B2A-B80E-61593C0F455E}"/>
-              </a:ext>
-            </a:extLst>
-          </p:cNvPr>
-          <p:cNvSpPr>
-            <a:spLocks noGrp="1"/>
-          </p:cNvSpPr>
-          <p:nvPr>
-            <p:ph type="title"/>
-          </p:nvPr>
-        </p:nvSpPr>
-        <p:spPr/>
-        <p:txBody>
-          <a:bodyPr/>
-          <a:lstStyle/>
-          <a:p>
-            <a:r>
-              <a:rPr lang="zh-TW" altLang="en-US" dirty="0"/>
-              <a:t>點字規則方面的改善 </a:t>
-            </a:r>
-            <a:r>
-              <a:rPr lang="en-US" altLang="zh-TW" dirty="0"/>
-              <a:t>(1/2)</a:t>
-            </a:r>
-            <a:endParaRPr lang="zh-TW" altLang="en-US" dirty="0"/>
-          </a:p>
-        </p:txBody>
-      </p:sp>
-      <p:sp>
-        <p:nvSpPr>
-          <p:cNvPr id="3" name="內容版面配置區 2">
-            <a:extLst>
-              <a:ext uri="{FF2B5EF4-FFF2-40B4-BE49-F238E27FC236}">
-                <a16:creationId xmlns:a16="http://schemas.microsoft.com/office/drawing/2014/main" id="{D8397CE8-8D25-4B36-B5D7-68376506AC48}"/>
-              </a:ext>
-            </a:extLst>
-          </p:cNvPr>
-          <p:cNvSpPr>
-            <a:spLocks noGrp="1"/>
-          </p:cNvSpPr>
-          <p:nvPr>
-            <p:ph idx="1"/>
-          </p:nvPr>
-        </p:nvSpPr>
-        <p:spPr>
-          <a:xfrm>
-            <a:off x="838200" y="1825625"/>
-            <a:ext cx="10515600" cy="4234707"/>
-          </a:xfrm>
-        </p:spPr>
-        <p:txBody>
-          <a:bodyPr>
-            <a:normAutofit/>
-          </a:bodyPr>
-          <a:lstStyle/>
-          <a:p>
-            <a:r>
-              <a:rPr lang="zh-TW" altLang="en-US" dirty="0">
-                <a:latin typeface="+mn-ea"/>
-              </a:rPr>
-              <a:t>原書頁碼 </a:t>
-            </a:r>
-            <a:r>
-              <a:rPr lang="en-US" altLang="zh-TW" dirty="0">
-                <a:latin typeface="+mn-ea"/>
-              </a:rPr>
-              <a:t>&lt;P&gt; &lt;/P&gt; </a:t>
-            </a:r>
-            <a:r>
-              <a:rPr lang="zh-TW" altLang="en-US" dirty="0">
-                <a:latin typeface="+mn-ea"/>
-              </a:rPr>
-              <a:t>裡面的數字</a:t>
-            </a:r>
-            <a:r>
-              <a:rPr lang="zh-CN" altLang="en-US" dirty="0">
-                <a:latin typeface="微軟正黑體" panose="020B0604030504040204" pitchFamily="34" charset="-120"/>
-                <a:ea typeface="微軟正黑體" panose="020B0604030504040204" pitchFamily="34" charset="-120"/>
-              </a:rPr>
-              <a:t>可不用加 </a:t>
-            </a:r>
-            <a:r>
-              <a:rPr lang="en-US" altLang="zh-CN" dirty="0">
-                <a:latin typeface="微軟正黑體" panose="020B0604030504040204" pitchFamily="34" charset="-120"/>
-                <a:ea typeface="微軟正黑體" panose="020B0604030504040204" pitchFamily="34" charset="-120"/>
-              </a:rPr>
-              <a:t># </a:t>
-            </a:r>
-            <a:r>
-              <a:rPr lang="zh-CN" altLang="en-US" dirty="0">
-                <a:latin typeface="微軟正黑體" panose="020B0604030504040204" pitchFamily="34" charset="-120"/>
-                <a:ea typeface="微軟正黑體" panose="020B0604030504040204" pitchFamily="34" charset="-120"/>
-              </a:rPr>
-              <a:t>號，轉成點字時會自動加上數符，並且一律使用上位點。</a:t>
-            </a:r>
-            <a:endParaRPr lang="en-US" altLang="zh-CN" dirty="0">
-              <a:latin typeface="微軟正黑體" panose="020B0604030504040204" pitchFamily="34" charset="-120"/>
-              <a:ea typeface="微軟正黑體" panose="020B0604030504040204" pitchFamily="34" charset="-120"/>
-            </a:endParaRPr>
-          </a:p>
-          <a:p>
-            <a:r>
-              <a:rPr lang="zh-TW" altLang="en-US" dirty="0">
-                <a:latin typeface="+mn-ea"/>
-              </a:rPr>
-              <a:t>私名號與書名號後面接任何標點符號不需空方。</a:t>
-            </a:r>
-            <a:endParaRPr lang="en-US" altLang="zh-TW" dirty="0">
-              <a:latin typeface="+mn-ea"/>
-            </a:endParaRPr>
-          </a:p>
-          <a:p>
-            <a:r>
-              <a:rPr lang="zh-TW" altLang="en-US" dirty="0">
-                <a:latin typeface="+mn-ea"/>
-              </a:rPr>
-              <a:t>私名號、書名號不能單獨在行尾。</a:t>
-            </a:r>
-            <a:endParaRPr lang="en-US" altLang="zh-TW" dirty="0">
-              <a:latin typeface="+mn-ea"/>
-            </a:endParaRPr>
-          </a:p>
-          <a:p>
-            <a:r>
-              <a:rPr lang="zh-TW" altLang="en-US" dirty="0">
-                <a:latin typeface="+mn-ea"/>
-              </a:rPr>
-              <a:t>破折號、刪節號不能單獨在行首。</a:t>
-            </a:r>
-          </a:p>
-          <a:p>
-            <a:r>
-              <a:rPr lang="zh-TW" altLang="en-US" dirty="0">
-                <a:latin typeface="+mn-ea"/>
-              </a:rPr>
-              <a:t>句號、問號、驚嘆號後面接「後括號」時不用空方。</a:t>
-            </a:r>
-          </a:p>
-        </p:txBody>
-      </p:sp>
-    </p:spTree>
-    <p:extLst>
-      <p:ext uri="{BB962C8B-B14F-4D97-AF65-F5344CB8AC3E}">
-        <p14:creationId xmlns:p14="http://schemas.microsoft.com/office/powerpoint/2010/main" val="3561259273"/>
-      </p:ext>
-    </p:extLst>
-  </p:cSld>
-  <p:clrMapOvr>
-    <a:masterClrMapping/>
-  </p:clrMapOvr>
-</p:sld>
-</file>
-
 <file path=ppt/slides/slide12.xml><?xml version="1.0" encoding="utf-8"?>
 <p:sld xmlns:a="http://schemas.openxmlformats.org/drawingml/2006/main" xmlns:r="http://schemas.openxmlformats.org/officeDocument/2006/relationships" xmlns:p="http://schemas.openxmlformats.org/presentationml/2006/main">
   <p:cSld>
@@ -4010,6 +4156,181 @@
           <p:cNvPr id="2" name="標題 1">
             <a:extLst>
               <a:ext uri="{FF2B5EF4-FFF2-40B4-BE49-F238E27FC236}">
+                <a16:creationId xmlns:a16="http://schemas.microsoft.com/office/drawing/2014/main" id="{99F0BE78-01E7-4B2A-B80E-61593C0F455E}"/>
+              </a:ext>
+            </a:extLst>
+          </p:cNvPr>
+          <p:cNvSpPr>
+            <a:spLocks noGrp="1"/>
+          </p:cNvSpPr>
+          <p:nvPr>
+            <p:ph type="title"/>
+          </p:nvPr>
+        </p:nvSpPr>
+        <p:spPr/>
+        <p:txBody>
+          <a:bodyPr/>
+          <a:lstStyle/>
+          <a:p>
+            <a:r>
+              <a:rPr lang="zh-TW" altLang="en-US" dirty="0"/>
+              <a:t>點字規則方面的改善 </a:t>
+            </a:r>
+            <a:r>
+              <a:rPr lang="en-US" altLang="zh-TW" dirty="0"/>
+              <a:t>(1/2)</a:t>
+            </a:r>
+            <a:endParaRPr lang="zh-TW" altLang="en-US" dirty="0"/>
+          </a:p>
+        </p:txBody>
+      </p:sp>
+      <p:sp>
+        <p:nvSpPr>
+          <p:cNvPr id="3" name="內容版面配置區 2">
+            <a:extLst>
+              <a:ext uri="{FF2B5EF4-FFF2-40B4-BE49-F238E27FC236}">
+                <a16:creationId xmlns:a16="http://schemas.microsoft.com/office/drawing/2014/main" id="{D8397CE8-8D25-4B36-B5D7-68376506AC48}"/>
+              </a:ext>
+            </a:extLst>
+          </p:cNvPr>
+          <p:cNvSpPr>
+            <a:spLocks noGrp="1"/>
+          </p:cNvSpPr>
+          <p:nvPr>
+            <p:ph idx="1"/>
+          </p:nvPr>
+        </p:nvSpPr>
+        <p:spPr>
+          <a:xfrm>
+            <a:off x="838200" y="1825625"/>
+            <a:ext cx="10515600" cy="4234707"/>
+          </a:xfrm>
+        </p:spPr>
+        <p:txBody>
+          <a:bodyPr>
+            <a:normAutofit/>
+          </a:bodyPr>
+          <a:lstStyle/>
+          <a:p>
+            <a:r>
+              <a:rPr lang="zh-TW" altLang="en-US" dirty="0">
+                <a:latin typeface="+mn-ea"/>
+              </a:rPr>
+              <a:t>原書頁碼 </a:t>
+            </a:r>
+            <a:r>
+              <a:rPr lang="en-US" altLang="zh-TW" dirty="0">
+                <a:latin typeface="+mn-ea"/>
+              </a:rPr>
+              <a:t>&lt;P&gt; &lt;/P&gt; </a:t>
+            </a:r>
+            <a:r>
+              <a:rPr lang="zh-TW" altLang="en-US" dirty="0">
+                <a:latin typeface="+mn-ea"/>
+              </a:rPr>
+              <a:t>裡面的數字</a:t>
+            </a:r>
+            <a:r>
+              <a:rPr lang="zh-CN" altLang="en-US" dirty="0">
+                <a:latin typeface="微軟正黑體" panose="020B0604030504040204" pitchFamily="34" charset="-120"/>
+                <a:ea typeface="微軟正黑體" panose="020B0604030504040204" pitchFamily="34" charset="-120"/>
+              </a:rPr>
+              <a:t>可不用加 </a:t>
+            </a:r>
+            <a:r>
+              <a:rPr lang="en-US" altLang="zh-CN" dirty="0">
+                <a:latin typeface="微軟正黑體" panose="020B0604030504040204" pitchFamily="34" charset="-120"/>
+                <a:ea typeface="微軟正黑體" panose="020B0604030504040204" pitchFamily="34" charset="-120"/>
+              </a:rPr>
+              <a:t># </a:t>
+            </a:r>
+            <a:r>
+              <a:rPr lang="zh-CN" altLang="en-US" dirty="0">
+                <a:latin typeface="微軟正黑體" panose="020B0604030504040204" pitchFamily="34" charset="-120"/>
+                <a:ea typeface="微軟正黑體" panose="020B0604030504040204" pitchFamily="34" charset="-120"/>
+              </a:rPr>
+              <a:t>號，轉成點字時會自動加上數符，並且一律使用上位點。</a:t>
+            </a:r>
+            <a:endParaRPr lang="en-US" altLang="zh-CN" dirty="0">
+              <a:latin typeface="微軟正黑體" panose="020B0604030504040204" pitchFamily="34" charset="-120"/>
+              <a:ea typeface="微軟正黑體" panose="020B0604030504040204" pitchFamily="34" charset="-120"/>
+            </a:endParaRPr>
+          </a:p>
+          <a:p>
+            <a:r>
+              <a:rPr lang="zh-TW" altLang="en-US" dirty="0">
+                <a:latin typeface="+mn-ea"/>
+              </a:rPr>
+              <a:t>私名號與書名號後面接任何標點符號不需空方。</a:t>
+            </a:r>
+            <a:endParaRPr lang="en-US" altLang="zh-TW" dirty="0">
+              <a:latin typeface="+mn-ea"/>
+            </a:endParaRPr>
+          </a:p>
+          <a:p>
+            <a:r>
+              <a:rPr lang="zh-TW" altLang="en-US" dirty="0">
+                <a:latin typeface="+mn-ea"/>
+              </a:rPr>
+              <a:t>私名號、書名號不能單獨在行尾。</a:t>
+            </a:r>
+            <a:endParaRPr lang="en-US" altLang="zh-TW" dirty="0">
+              <a:latin typeface="+mn-ea"/>
+            </a:endParaRPr>
+          </a:p>
+          <a:p>
+            <a:r>
+              <a:rPr lang="zh-TW" altLang="en-US" dirty="0">
+                <a:latin typeface="+mn-ea"/>
+              </a:rPr>
+              <a:t>破折號、刪節號不能單獨在行首。</a:t>
+            </a:r>
+          </a:p>
+          <a:p>
+            <a:r>
+              <a:rPr lang="zh-TW" altLang="en-US" dirty="0">
+                <a:latin typeface="+mn-ea"/>
+              </a:rPr>
+              <a:t>句號、問號、驚嘆號後面接「後括號」時不用空方。</a:t>
+            </a:r>
+          </a:p>
+        </p:txBody>
+      </p:sp>
+    </p:spTree>
+    <p:extLst>
+      <p:ext uri="{BB962C8B-B14F-4D97-AF65-F5344CB8AC3E}">
+        <p14:creationId xmlns:p14="http://schemas.microsoft.com/office/powerpoint/2010/main" val="3561259273"/>
+      </p:ext>
+    </p:extLst>
+  </p:cSld>
+  <p:clrMapOvr>
+    <a:masterClrMapping/>
+  </p:clrMapOvr>
+</p:sld>
+</file>
+
+<file path=ppt/slides/slide13.xml><?xml version="1.0" encoding="utf-8"?>
+<p:sld xmlns:a="http://schemas.openxmlformats.org/drawingml/2006/main" xmlns:r="http://schemas.openxmlformats.org/officeDocument/2006/relationships" xmlns:p="http://schemas.openxmlformats.org/presentationml/2006/main">
+  <p:cSld>
+    <p:spTree>
+      <p:nvGrpSpPr>
+        <p:cNvPr id="1" name=""/>
+        <p:cNvGrpSpPr/>
+        <p:nvPr/>
+      </p:nvGrpSpPr>
+      <p:grpSpPr>
+        <a:xfrm>
+          <a:off x="0" y="0"/>
+          <a:ext cx="0" cy="0"/>
+          <a:chOff x="0" y="0"/>
+          <a:chExt cx="0" cy="0"/>
+        </a:xfrm>
+      </p:grpSpPr>
+      <p:sp>
+        <p:nvSpPr>
+          <p:cNvPr id="2" name="標題 1">
+            <a:extLst>
+              <a:ext uri="{FF2B5EF4-FFF2-40B4-BE49-F238E27FC236}">
                 <a16:creationId xmlns:a16="http://schemas.microsoft.com/office/drawing/2014/main" id="{6B87E7A9-38FB-4E69-97A3-9C2494B9072E}"/>
               </a:ext>
             </a:extLst>
@@ -4152,7 +4473,7 @@
 </p:sld>
 </file>
 
-<file path=ppt/slides/slide13.xml><?xml version="1.0" encoding="utf-8"?>
+<file path=ppt/slides/slide14.xml><?xml version="1.0" encoding="utf-8"?>
 <p:sld xmlns:a="http://schemas.openxmlformats.org/drawingml/2006/main" xmlns:r="http://schemas.openxmlformats.org/officeDocument/2006/relationships" xmlns:p="http://schemas.openxmlformats.org/presentationml/2006/main">
   <p:cSld>
     <p:spTree>
@@ -4380,7 +4701,7 @@
 </p:sld>
 </file>
 
-<file path=ppt/slides/slide14.xml><?xml version="1.0" encoding="utf-8"?>
+<file path=ppt/slides/slide15.xml><?xml version="1.0" encoding="utf-8"?>
 <p:sld xmlns:a="http://schemas.openxmlformats.org/drawingml/2006/main" xmlns:r="http://schemas.openxmlformats.org/officeDocument/2006/relationships" xmlns:p="http://schemas.openxmlformats.org/presentationml/2006/main">
   <p:cSld>
     <p:spTree>
@@ -4533,130 +4854,6 @@
 </p:sld>
 </file>
 
-<file path=ppt/slides/slide15.xml><?xml version="1.0" encoding="utf-8"?>
-<p:sld xmlns:a="http://schemas.openxmlformats.org/drawingml/2006/main" xmlns:r="http://schemas.openxmlformats.org/officeDocument/2006/relationships" xmlns:p="http://schemas.openxmlformats.org/presentationml/2006/main">
-  <p:cSld>
-    <p:spTree>
-      <p:nvGrpSpPr>
-        <p:cNvPr id="1" name=""/>
-        <p:cNvGrpSpPr/>
-        <p:nvPr/>
-      </p:nvGrpSpPr>
-      <p:grpSpPr>
-        <a:xfrm>
-          <a:off x="0" y="0"/>
-          <a:ext cx="0" cy="0"/>
-          <a:chOff x="0" y="0"/>
-          <a:chExt cx="0" cy="0"/>
-        </a:xfrm>
-      </p:grpSpPr>
-      <p:sp>
-        <p:nvSpPr>
-          <p:cNvPr id="2" name="標題 1">
-            <a:extLst>
-              <a:ext uri="{FF2B5EF4-FFF2-40B4-BE49-F238E27FC236}">
-                <a16:creationId xmlns:a16="http://schemas.microsoft.com/office/drawing/2014/main" id="{BEF9B12C-3574-426A-8910-3AFCBDEB5579}"/>
-              </a:ext>
-            </a:extLst>
-          </p:cNvPr>
-          <p:cNvSpPr>
-            <a:spLocks noGrp="1"/>
-          </p:cNvSpPr>
-          <p:nvPr>
-            <p:ph type="title"/>
-          </p:nvPr>
-        </p:nvSpPr>
-        <p:spPr/>
-        <p:txBody>
-          <a:bodyPr/>
-          <a:lstStyle/>
-          <a:p>
-            <a:r>
-              <a:rPr lang="zh-TW" altLang="en-US" dirty="0"/>
-              <a:t>破折號、刪節號不能單獨在行首</a:t>
-            </a:r>
-          </a:p>
-        </p:txBody>
-      </p:sp>
-      <p:sp>
-        <p:nvSpPr>
-          <p:cNvPr id="3" name="內容版面配置區 2">
-            <a:extLst>
-              <a:ext uri="{FF2B5EF4-FFF2-40B4-BE49-F238E27FC236}">
-                <a16:creationId xmlns:a16="http://schemas.microsoft.com/office/drawing/2014/main" id="{6CE9C20E-EBAD-4929-A006-032DB00E816F}"/>
-              </a:ext>
-            </a:extLst>
-          </p:cNvPr>
-          <p:cNvSpPr>
-            <a:spLocks noGrp="1"/>
-          </p:cNvSpPr>
-          <p:nvPr>
-            <p:ph idx="1"/>
-          </p:nvPr>
-        </p:nvSpPr>
-        <p:spPr/>
-        <p:txBody>
-          <a:bodyPr/>
-          <a:lstStyle/>
-          <a:p>
-            <a:r>
-              <a:rPr lang="zh-TW" altLang="en-US" dirty="0"/>
-              <a:t>轉點字時，如果破折號、刪節號剛好編排在行首，此</a:t>
-            </a:r>
-            <a:r>
-              <a:rPr lang="zh-CN" altLang="en-US" dirty="0">
-                <a:latin typeface="微軟正黑體" panose="020B0604030504040204" pitchFamily="34" charset="-120"/>
-                <a:ea typeface="微軟正黑體" panose="020B0604030504040204" pitchFamily="34" charset="-120"/>
-              </a:rPr>
-              <a:t>時程式會將上一行末尾的字折下來當作行首，後面接著破折號或刪節號。</a:t>
-            </a:r>
-            <a:endParaRPr lang="en-US" altLang="zh-CN" dirty="0">
-              <a:latin typeface="微軟正黑體" panose="020B0604030504040204" pitchFamily="34" charset="-120"/>
-              <a:ea typeface="微軟正黑體" panose="020B0604030504040204" pitchFamily="34" charset="-120"/>
-            </a:endParaRPr>
-          </a:p>
-          <a:p>
-            <a:r>
-              <a:rPr lang="zh-CN" altLang="en-US" dirty="0">
-                <a:latin typeface="微軟正黑體" panose="020B0604030504040204" pitchFamily="34" charset="-120"/>
-                <a:ea typeface="微軟正黑體" panose="020B0604030504040204" pitchFamily="34" charset="-120"/>
-              </a:rPr>
-              <a:t>亦可採用手動斷行的方式，在編輯雙視文件時，於適當的地方按</a:t>
-            </a:r>
-            <a:r>
-              <a:rPr lang="en-US" altLang="zh-CN" dirty="0">
-                <a:latin typeface="微軟正黑體" panose="020B0604030504040204" pitchFamily="34" charset="-120"/>
-                <a:ea typeface="微軟正黑體" panose="020B0604030504040204" pitchFamily="34" charset="-120"/>
-              </a:rPr>
-              <a:t>[Enter] </a:t>
-            </a:r>
-            <a:r>
-              <a:rPr lang="zh-CN" altLang="en-US" dirty="0">
-                <a:latin typeface="微軟正黑體" panose="020B0604030504040204" pitchFamily="34" charset="-120"/>
-                <a:ea typeface="微軟正黑體" panose="020B0604030504040204" pitchFamily="34" charset="-120"/>
-              </a:rPr>
-              <a:t>鍵即可從該處斷行，然後利用「段落重整」功能來重新編排段落。</a:t>
-            </a:r>
-            <a:endParaRPr lang="zh-TW" altLang="en-US" dirty="0">
-              <a:latin typeface="微軟正黑體" panose="020B0604030504040204" pitchFamily="34" charset="-120"/>
-              <a:ea typeface="微軟正黑體" panose="020B0604030504040204" pitchFamily="34" charset="-120"/>
-            </a:endParaRPr>
-          </a:p>
-        </p:txBody>
-      </p:sp>
-    </p:spTree>
-    <p:extLst>
-      <p:ext uri="{BB962C8B-B14F-4D97-AF65-F5344CB8AC3E}">
-        <p14:creationId xmlns:p14="http://schemas.microsoft.com/office/powerpoint/2010/main" val="218789508"/>
-      </p:ext>
-    </p:extLst>
-  </p:cSld>
-  <p:clrMapOvr>
-    <a:masterClrMapping/>
-  </p:clrMapOvr>
-</p:sld>
-</file>
-
 <file path=ppt/slides/slide16.xml><?xml version="1.0" encoding="utf-8"?>
 <p:sld xmlns:a="http://schemas.openxmlformats.org/drawingml/2006/main" xmlns:r="http://schemas.openxmlformats.org/officeDocument/2006/relationships" xmlns:p="http://schemas.openxmlformats.org/presentationml/2006/main">
   <p:cSld>
@@ -4679,6 +4876,130 @@
           <p:cNvPr id="2" name="標題 1">
             <a:extLst>
               <a:ext uri="{FF2B5EF4-FFF2-40B4-BE49-F238E27FC236}">
+                <a16:creationId xmlns:a16="http://schemas.microsoft.com/office/drawing/2014/main" id="{BEF9B12C-3574-426A-8910-3AFCBDEB5579}"/>
+              </a:ext>
+            </a:extLst>
+          </p:cNvPr>
+          <p:cNvSpPr>
+            <a:spLocks noGrp="1"/>
+          </p:cNvSpPr>
+          <p:nvPr>
+            <p:ph type="title"/>
+          </p:nvPr>
+        </p:nvSpPr>
+        <p:spPr/>
+        <p:txBody>
+          <a:bodyPr/>
+          <a:lstStyle/>
+          <a:p>
+            <a:r>
+              <a:rPr lang="zh-TW" altLang="en-US" dirty="0"/>
+              <a:t>破折號、刪節號不能單獨在行首</a:t>
+            </a:r>
+          </a:p>
+        </p:txBody>
+      </p:sp>
+      <p:sp>
+        <p:nvSpPr>
+          <p:cNvPr id="3" name="內容版面配置區 2">
+            <a:extLst>
+              <a:ext uri="{FF2B5EF4-FFF2-40B4-BE49-F238E27FC236}">
+                <a16:creationId xmlns:a16="http://schemas.microsoft.com/office/drawing/2014/main" id="{6CE9C20E-EBAD-4929-A006-032DB00E816F}"/>
+              </a:ext>
+            </a:extLst>
+          </p:cNvPr>
+          <p:cNvSpPr>
+            <a:spLocks noGrp="1"/>
+          </p:cNvSpPr>
+          <p:nvPr>
+            <p:ph idx="1"/>
+          </p:nvPr>
+        </p:nvSpPr>
+        <p:spPr/>
+        <p:txBody>
+          <a:bodyPr/>
+          <a:lstStyle/>
+          <a:p>
+            <a:r>
+              <a:rPr lang="zh-TW" altLang="en-US" dirty="0"/>
+              <a:t>轉點字時，如果破折號、刪節號剛好編排在行首，此</a:t>
+            </a:r>
+            <a:r>
+              <a:rPr lang="zh-CN" altLang="en-US" dirty="0">
+                <a:latin typeface="微軟正黑體" panose="020B0604030504040204" pitchFamily="34" charset="-120"/>
+                <a:ea typeface="微軟正黑體" panose="020B0604030504040204" pitchFamily="34" charset="-120"/>
+              </a:rPr>
+              <a:t>時程式會將上一行末尾的字折下來當作行首，後面接著破折號或刪節號。</a:t>
+            </a:r>
+            <a:endParaRPr lang="en-US" altLang="zh-CN" dirty="0">
+              <a:latin typeface="微軟正黑體" panose="020B0604030504040204" pitchFamily="34" charset="-120"/>
+              <a:ea typeface="微軟正黑體" panose="020B0604030504040204" pitchFamily="34" charset="-120"/>
+            </a:endParaRPr>
+          </a:p>
+          <a:p>
+            <a:r>
+              <a:rPr lang="zh-CN" altLang="en-US" dirty="0">
+                <a:latin typeface="微軟正黑體" panose="020B0604030504040204" pitchFamily="34" charset="-120"/>
+                <a:ea typeface="微軟正黑體" panose="020B0604030504040204" pitchFamily="34" charset="-120"/>
+              </a:rPr>
+              <a:t>亦可採用手動斷行的方式，在編輯雙視文件時，於適當的地方按</a:t>
+            </a:r>
+            <a:r>
+              <a:rPr lang="en-US" altLang="zh-CN" dirty="0">
+                <a:latin typeface="微軟正黑體" panose="020B0604030504040204" pitchFamily="34" charset="-120"/>
+                <a:ea typeface="微軟正黑體" panose="020B0604030504040204" pitchFamily="34" charset="-120"/>
+              </a:rPr>
+              <a:t>[Enter] </a:t>
+            </a:r>
+            <a:r>
+              <a:rPr lang="zh-CN" altLang="en-US" dirty="0">
+                <a:latin typeface="微軟正黑體" panose="020B0604030504040204" pitchFamily="34" charset="-120"/>
+                <a:ea typeface="微軟正黑體" panose="020B0604030504040204" pitchFamily="34" charset="-120"/>
+              </a:rPr>
+              <a:t>鍵即可從該處斷行，然後利用「段落重整」功能來重新編排段落。</a:t>
+            </a:r>
+            <a:endParaRPr lang="zh-TW" altLang="en-US" dirty="0">
+              <a:latin typeface="微軟正黑體" panose="020B0604030504040204" pitchFamily="34" charset="-120"/>
+              <a:ea typeface="微軟正黑體" panose="020B0604030504040204" pitchFamily="34" charset="-120"/>
+            </a:endParaRPr>
+          </a:p>
+        </p:txBody>
+      </p:sp>
+    </p:spTree>
+    <p:extLst>
+      <p:ext uri="{BB962C8B-B14F-4D97-AF65-F5344CB8AC3E}">
+        <p14:creationId xmlns:p14="http://schemas.microsoft.com/office/powerpoint/2010/main" val="218789508"/>
+      </p:ext>
+    </p:extLst>
+  </p:cSld>
+  <p:clrMapOvr>
+    <a:masterClrMapping/>
+  </p:clrMapOvr>
+</p:sld>
+</file>
+
+<file path=ppt/slides/slide17.xml><?xml version="1.0" encoding="utf-8"?>
+<p:sld xmlns:a="http://schemas.openxmlformats.org/drawingml/2006/main" xmlns:r="http://schemas.openxmlformats.org/officeDocument/2006/relationships" xmlns:p="http://schemas.openxmlformats.org/presentationml/2006/main">
+  <p:cSld>
+    <p:spTree>
+      <p:nvGrpSpPr>
+        <p:cNvPr id="1" name=""/>
+        <p:cNvGrpSpPr/>
+        <p:nvPr/>
+      </p:nvGrpSpPr>
+      <p:grpSpPr>
+        <a:xfrm>
+          <a:off x="0" y="0"/>
+          <a:ext cx="0" cy="0"/>
+          <a:chOff x="0" y="0"/>
+          <a:chExt cx="0" cy="0"/>
+        </a:xfrm>
+      </p:grpSpPr>
+      <p:sp>
+        <p:nvSpPr>
+          <p:cNvPr id="2" name="標題 1">
+            <a:extLst>
+              <a:ext uri="{FF2B5EF4-FFF2-40B4-BE49-F238E27FC236}">
                 <a16:creationId xmlns:a16="http://schemas.microsoft.com/office/drawing/2014/main" id="{CF654FD3-681D-42BE-BCA5-9494710E50B0}"/>
               </a:ext>
             </a:extLst>
@@ -4768,7 +5089,7 @@
 </p:sld>
 </file>
 
-<file path=ppt/slides/slide17.xml><?xml version="1.0" encoding="utf-8"?>
+<file path=ppt/slides/slide18.xml><?xml version="1.0" encoding="utf-8"?>
 <p:sld xmlns:a="http://schemas.openxmlformats.org/drawingml/2006/main" xmlns:r="http://schemas.openxmlformats.org/officeDocument/2006/relationships" xmlns:p="http://schemas.openxmlformats.org/presentationml/2006/main">
   <p:cSld>
     <p:spTree>
@@ -5169,47 +5490,166 @@
         </p:nvSpPr>
         <p:spPr/>
         <p:txBody>
-          <a:bodyPr/>
-          <a:lstStyle/>
-          <a:p>
-            <a:r>
-              <a:rPr lang="zh-TW" altLang="en-US" dirty="0"/>
-              <a:t>解決了 </a:t>
-            </a:r>
-            <a:r>
-              <a:rPr lang="en-US" altLang="zh-TW" dirty="0"/>
+          <a:bodyPr>
+            <a:normAutofit/>
+          </a:bodyPr>
+          <a:lstStyle/>
+          <a:p>
+            <a:r>
+              <a:rPr lang="zh-TW" altLang="en-US" b="1" dirty="0"/>
+              <a:t>支援 </a:t>
+            </a:r>
+            <a:r>
+              <a:rPr lang="en-US" altLang="zh-TW" b="1" dirty="0"/>
+              <a:t>Windows 10</a:t>
+            </a:r>
+            <a:r>
+              <a:rPr lang="zh-TW" altLang="en-US" b="1" dirty="0"/>
+              <a:t>。</a:t>
+            </a:r>
+            <a:br>
+              <a:rPr lang="en-US" altLang="zh-TW" b="1" dirty="0"/>
+            </a:br>
+            <a:r>
+              <a:rPr lang="zh-TW" altLang="en-US" sz="2400" dirty="0"/>
+              <a:t>舊版在轉點字時因為倚賴微軟注音輸入法，因而無法在 </a:t>
+            </a:r>
+            <a:r>
+              <a:rPr lang="en-US" altLang="zh-TW" sz="2400" dirty="0"/>
               <a:t>Windows 10 </a:t>
             </a:r>
             <a:r>
-              <a:rPr lang="zh-TW" altLang="en-US" dirty="0"/>
-              <a:t>無法將中文轉成點字的問題，而且</a:t>
-            </a:r>
-            <a:r>
-              <a:rPr lang="zh-CN" altLang="en-US" dirty="0"/>
-              <a:t>現在</a:t>
-            </a:r>
-            <a:r>
-              <a:rPr lang="zh-TW" altLang="en-US" dirty="0"/>
-              <a:t>即使沒有安裝注音輸入法也能轉換中文字和處理破音字。</a:t>
-            </a:r>
-            <a:endParaRPr lang="en-US" altLang="zh-TW" dirty="0"/>
-          </a:p>
-          <a:p>
-            <a:r>
-              <a:rPr lang="zh-TW" altLang="en-US" dirty="0"/>
+              <a:rPr lang="zh-CN" altLang="en-US" sz="2400" dirty="0">
+                <a:latin typeface="微軟正黑體" panose="020B0604030504040204" pitchFamily="34" charset="-120"/>
+                <a:ea typeface="微軟正黑體" panose="020B0604030504040204" pitchFamily="34" charset="-120"/>
+              </a:rPr>
+              <a:t>環境下轉中文點字</a:t>
+            </a:r>
+            <a:r>
+              <a:rPr lang="zh-TW" altLang="en-US" sz="2400" dirty="0"/>
+              <a:t>。</a:t>
+            </a:r>
+            <a:endParaRPr lang="en-US" altLang="zh-TW" sz="2400" dirty="0"/>
+          </a:p>
+          <a:p>
+            <a:r>
+              <a:rPr lang="zh-TW" altLang="en-US" b="1" dirty="0"/>
               <a:t>新的雙視檔案格式（</a:t>
             </a:r>
             <a:r>
-              <a:rPr lang="en-US" altLang="zh-TW" dirty="0"/>
+              <a:rPr lang="en-US" altLang="zh-TW" b="1" dirty="0"/>
               <a:t>.BRX</a:t>
             </a:r>
             <a:r>
-              <a:rPr lang="zh-TW" altLang="en-US" dirty="0"/>
+              <a:rPr lang="zh-TW" altLang="en-US" b="1" dirty="0"/>
               <a:t>），用來取代上一版的 </a:t>
             </a:r>
             <a:r>
-              <a:rPr lang="en-US" altLang="zh-TW" dirty="0"/>
+              <a:rPr lang="en-US" altLang="zh-TW" b="1" dirty="0"/>
               <a:t>.BRLJ </a:t>
+            </a:r>
+            <a:r>
+              <a:rPr lang="zh-CN" altLang="en-US" b="1" dirty="0">
+                <a:latin typeface="微軟正黑體" panose="020B0604030504040204" pitchFamily="34" charset="-120"/>
+                <a:ea typeface="微軟正黑體" panose="020B0604030504040204" pitchFamily="34" charset="-120"/>
+              </a:rPr>
+              <a:t>格式。</a:t>
+            </a:r>
+            <a:br>
+              <a:rPr lang="en-US" altLang="zh-CN" b="1" dirty="0">
+                <a:latin typeface="微軟正黑體" panose="020B0604030504040204" pitchFamily="34" charset="-120"/>
+                <a:ea typeface="微軟正黑體" panose="020B0604030504040204" pitchFamily="34" charset="-120"/>
+              </a:rPr>
+            </a:br>
+            <a:r>
+              <a:rPr lang="zh-CN" altLang="en-US" sz="2400" dirty="0">
+                <a:latin typeface="微軟正黑體" panose="020B0604030504040204" pitchFamily="34" charset="-120"/>
+                <a:ea typeface="微軟正黑體" panose="020B0604030504040204" pitchFamily="34" charset="-120"/>
+              </a:rPr>
+              <a:t>此新格式可保留完整的純文字內容，方便日後匯出明眼字並重製雙視文件。</a:t>
+            </a:r>
+            <a:endParaRPr lang="en-US" altLang="zh-CN" sz="2400" dirty="0">
+              <a:latin typeface="微軟正黑體" panose="020B0604030504040204" pitchFamily="34" charset="-120"/>
+              <a:ea typeface="微軟正黑體" panose="020B0604030504040204" pitchFamily="34" charset="-120"/>
+            </a:endParaRPr>
+          </a:p>
+          <a:p>
+            <a:r>
+              <a:rPr lang="zh-CN" altLang="en-US" b="1" dirty="0">
+                <a:latin typeface="微軟正黑體" panose="020B0604030504040204" pitchFamily="34" charset="-120"/>
+                <a:ea typeface="微軟正黑體" panose="020B0604030504040204" pitchFamily="34" charset="-120"/>
+              </a:rPr>
+              <a:t>雙視編輯模式下，新增更多方便的修改與編排功能。</a:t>
+            </a:r>
+            <a:br>
+              <a:rPr lang="en-US" altLang="zh-CN" b="1" dirty="0">
+                <a:latin typeface="微軟正黑體" panose="020B0604030504040204" pitchFamily="34" charset="-120"/>
+                <a:ea typeface="微軟正黑體" panose="020B0604030504040204" pitchFamily="34" charset="-120"/>
+              </a:rPr>
+            </a:br>
+            <a:r>
+              <a:rPr lang="zh-CN" altLang="en-US" sz="2400" dirty="0">
+                <a:latin typeface="微軟正黑體" panose="020B0604030504040204" pitchFamily="34" charset="-120"/>
+                <a:ea typeface="微軟正黑體" panose="020B0604030504040204" pitchFamily="34" charset="-120"/>
+              </a:rPr>
+              <a:t>例如：段落重整、插入一整串文字。</a:t>
+            </a:r>
+            <a:endParaRPr lang="en-US" altLang="zh-CN" sz="2400" dirty="0">
+              <a:latin typeface="微軟正黑體" panose="020B0604030504040204" pitchFamily="34" charset="-120"/>
+              <a:ea typeface="微軟正黑體" panose="020B0604030504040204" pitchFamily="34" charset="-120"/>
+            </a:endParaRPr>
+          </a:p>
+          <a:p>
+            <a:r>
+              <a:rPr lang="zh-CN" altLang="en-US" b="1" dirty="0">
+                <a:latin typeface="微軟正黑體" panose="020B0604030504040204" pitchFamily="34" charset="-120"/>
+                <a:ea typeface="微軟正黑體" panose="020B0604030504040204" pitchFamily="34" charset="-120"/>
+              </a:rPr>
+              <a:t>提供</a:t>
+            </a:r>
+            <a:r>
+              <a:rPr lang="zh-CN" altLang="en-US" b="1" dirty="0">
+                <a:latin typeface="微軟正黑體" panose="020B0604030504040204" pitchFamily="34" charset="-120"/>
+                <a:ea typeface="微軟正黑體" panose="020B0604030504040204" pitchFamily="34" charset="-120"/>
+                <a:hlinkClick r:id="rId2"/>
+              </a:rPr>
+              <a:t>轉檔工具 </a:t>
+            </a:r>
+            <a:r>
+              <a:rPr lang="en-US" altLang="zh-CN" b="1" dirty="0">
+                <a:latin typeface="微軟正黑體" panose="020B0604030504040204" pitchFamily="34" charset="-120"/>
+                <a:ea typeface="微軟正黑體" panose="020B0604030504040204" pitchFamily="34" charset="-120"/>
+                <a:hlinkClick r:id="rId2"/>
+              </a:rPr>
+              <a:t>BTX2BRX</a:t>
+            </a:r>
+            <a:r>
+              <a:rPr lang="zh-CN" altLang="en-US" dirty="0">
+                <a:latin typeface="微軟正黑體" panose="020B0604030504040204" pitchFamily="34" charset="-120"/>
+                <a:ea typeface="微軟正黑體" panose="020B0604030504040204" pitchFamily="34" charset="-120"/>
+              </a:rPr>
+              <a:t>，可將第一代易點雙視的 </a:t>
+            </a:r>
+            <a:r>
+              <a:rPr lang="en-US" altLang="zh-CN" dirty="0">
+                <a:latin typeface="微軟正黑體" panose="020B0604030504040204" pitchFamily="34" charset="-120"/>
+                <a:ea typeface="微軟正黑體" panose="020B0604030504040204" pitchFamily="34" charset="-120"/>
+              </a:rPr>
+              <a:t>.BTX </a:t>
+            </a:r>
+            <a:r>
+              <a:rPr lang="zh-CN" altLang="en-US" dirty="0">
+                <a:latin typeface="微軟正黑體" panose="020B0604030504040204" pitchFamily="34" charset="-120"/>
+                <a:ea typeface="微軟正黑體" panose="020B0604030504040204" pitchFamily="34" charset="-120"/>
+              </a:rPr>
+              <a:t>檔案整批一次轉換成易點雙視最新版本的 </a:t>
+            </a:r>
+            <a:r>
+              <a:rPr lang="en-US" altLang="zh-CN" dirty="0">
+                <a:latin typeface="微軟正黑體" panose="020B0604030504040204" pitchFamily="34" charset="-120"/>
+                <a:ea typeface="微軟正黑體" panose="020B0604030504040204" pitchFamily="34" charset="-120"/>
+              </a:rPr>
+              <a:t>.BRX </a:t>
             </a:r>
             <a:r>
               <a:rPr lang="zh-CN" altLang="en-US" dirty="0">
@@ -5218,83 +5658,6 @@
               </a:rPr>
               <a:t>格式。</a:t>
             </a:r>
-            <a:br>
-              <a:rPr lang="en-US" altLang="zh-CN" dirty="0">
-                <a:latin typeface="微軟正黑體" panose="020B0604030504040204" pitchFamily="34" charset="-120"/>
-                <a:ea typeface="微軟正黑體" panose="020B0604030504040204" pitchFamily="34" charset="-120"/>
-              </a:rPr>
-            </a:br>
-            <a:r>
-              <a:rPr lang="zh-CN" altLang="en-US" dirty="0">
-                <a:latin typeface="微軟正黑體" panose="020B0604030504040204" pitchFamily="34" charset="-120"/>
-                <a:ea typeface="微軟正黑體" panose="020B0604030504040204" pitchFamily="34" charset="-120"/>
-              </a:rPr>
-              <a:t>此新格式可保留完整的純文字內容，方便日後匯出明眼字並重製雙視文件。</a:t>
-            </a:r>
-            <a:endParaRPr lang="en-US" altLang="zh-CN" dirty="0">
-              <a:latin typeface="微軟正黑體" panose="020B0604030504040204" pitchFamily="34" charset="-120"/>
-              <a:ea typeface="微軟正黑體" panose="020B0604030504040204" pitchFamily="34" charset="-120"/>
-            </a:endParaRPr>
-          </a:p>
-          <a:p>
-            <a:r>
-              <a:rPr lang="zh-CN" altLang="en-US" dirty="0">
-                <a:latin typeface="微軟正黑體" panose="020B0604030504040204" pitchFamily="34" charset="-120"/>
-                <a:ea typeface="微軟正黑體" panose="020B0604030504040204" pitchFamily="34" charset="-120"/>
-              </a:rPr>
-              <a:t>提供了</a:t>
-            </a:r>
-            <a:r>
-              <a:rPr lang="zh-CN" altLang="en-US" dirty="0">
-                <a:latin typeface="微軟正黑體" panose="020B0604030504040204" pitchFamily="34" charset="-120"/>
-                <a:ea typeface="微軟正黑體" panose="020B0604030504040204" pitchFamily="34" charset="-120"/>
-                <a:hlinkClick r:id="rId2"/>
-              </a:rPr>
-              <a:t>轉檔工具 </a:t>
-            </a:r>
-            <a:r>
-              <a:rPr lang="en-US" altLang="zh-CN" dirty="0">
-                <a:latin typeface="微軟正黑體" panose="020B0604030504040204" pitchFamily="34" charset="-120"/>
-                <a:ea typeface="微軟正黑體" panose="020B0604030504040204" pitchFamily="34" charset="-120"/>
-                <a:hlinkClick r:id="rId2"/>
-              </a:rPr>
-              <a:t>BTX2BRX</a:t>
-            </a:r>
-            <a:r>
-              <a:rPr lang="zh-CN" altLang="en-US" dirty="0">
-                <a:latin typeface="微軟正黑體" panose="020B0604030504040204" pitchFamily="34" charset="-120"/>
-                <a:ea typeface="微軟正黑體" panose="020B0604030504040204" pitchFamily="34" charset="-120"/>
-              </a:rPr>
-              <a:t>，可將第一代易點雙視的 </a:t>
-            </a:r>
-            <a:r>
-              <a:rPr lang="en-US" altLang="zh-CN" dirty="0">
-                <a:latin typeface="微軟正黑體" panose="020B0604030504040204" pitchFamily="34" charset="-120"/>
-                <a:ea typeface="微軟正黑體" panose="020B0604030504040204" pitchFamily="34" charset="-120"/>
-              </a:rPr>
-              <a:t>.BTX </a:t>
-            </a:r>
-            <a:r>
-              <a:rPr lang="zh-CN" altLang="en-US" dirty="0">
-                <a:latin typeface="微軟正黑體" panose="020B0604030504040204" pitchFamily="34" charset="-120"/>
-                <a:ea typeface="微軟正黑體" panose="020B0604030504040204" pitchFamily="34" charset="-120"/>
-              </a:rPr>
-              <a:t>檔案整批一次轉換成易點雙視最新版本的 </a:t>
-            </a:r>
-            <a:r>
-              <a:rPr lang="en-US" altLang="zh-CN" dirty="0">
-                <a:latin typeface="微軟正黑體" panose="020B0604030504040204" pitchFamily="34" charset="-120"/>
-                <a:ea typeface="微軟正黑體" panose="020B0604030504040204" pitchFamily="34" charset="-120"/>
-              </a:rPr>
-              <a:t>.BRX </a:t>
-            </a:r>
-            <a:r>
-              <a:rPr lang="zh-CN" altLang="en-US" dirty="0">
-                <a:latin typeface="微軟正黑體" panose="020B0604030504040204" pitchFamily="34" charset="-120"/>
-                <a:ea typeface="微軟正黑體" panose="020B0604030504040204" pitchFamily="34" charset="-120"/>
-              </a:rPr>
-              <a:t>格式。</a:t>
-            </a:r>
             <a:endParaRPr lang="zh-TW" altLang="en-US" dirty="0">
               <a:latin typeface="微軟正黑體" panose="020B0604030504040204" pitchFamily="34" charset="-120"/>
               <a:ea typeface="微軟正黑體" panose="020B0604030504040204" pitchFamily="34" charset="-120"/>
@@ -5316,13 +5679,13 @@
         </p:nvSpPr>
         <p:spPr>
           <a:xfrm>
-            <a:off x="2052535" y="5146558"/>
-            <a:ext cx="7655668" cy="1097874"/>
+            <a:off x="5940955" y="881162"/>
+            <a:ext cx="5191643" cy="944463"/>
           </a:xfrm>
           <a:prstGeom prst="wedgeRoundRectCallout">
             <a:avLst>
-              <a:gd name="adj1" fmla="val -41290"/>
-              <a:gd name="adj2" fmla="val 2249"/>
+              <a:gd name="adj1" fmla="val -57364"/>
+              <a:gd name="adj2" fmla="val 35148"/>
               <a:gd name="adj3" fmla="val 16667"/>
             </a:avLst>
           </a:prstGeom>
@@ -5348,16 +5711,13 @@
             <a:pPr algn="ctr"/>
             <a:r>
               <a:rPr lang="zh-TW" altLang="en-US" sz="2400" b="1" dirty="0"/>
-              <a:t>請注意：易點雙視已不再支援 </a:t>
+              <a:t>請注意：已不再支援 </a:t>
             </a:r>
             <a:r>
               <a:rPr lang="en-US" altLang="zh-TW" sz="2400" b="1" dirty="0"/>
-              <a:t>Windows XP</a:t>
-            </a:r>
-            <a:r>
-              <a:rPr lang="zh-TW" altLang="en-US" sz="2400" b="1" dirty="0"/>
-              <a:t>。</a:t>
-            </a:r>
+              <a:t>Windows XP!</a:t>
+            </a:r>
+            <a:endParaRPr lang="zh-TW" altLang="en-US" sz="2400" b="1" dirty="0"/>
           </a:p>
         </p:txBody>
       </p:sp>
@@ -5451,7 +5811,19 @@
           <a:p>
             <a:r>
               <a:rPr lang="zh-TW" altLang="en-US" dirty="0"/>
-              <a:t>雙視編輯模式下，增加「匯出點字檔」功能，以便讓「超點」的「中英文點字編輯器」程式可以讀取。</a:t>
+              <a:t>雙視編輯模式下，增加「</a:t>
+            </a:r>
+            <a:r>
+              <a:rPr lang="zh-TW" altLang="en-US" b="1" dirty="0">
+                <a:solidFill>
+                  <a:srgbClr val="FF0000"/>
+                </a:solidFill>
+              </a:rPr>
+              <a:t>匯出點字檔</a:t>
+            </a:r>
+            <a:r>
+              <a:rPr lang="zh-TW" altLang="en-US" dirty="0"/>
+              <a:t>」功能，以便讓「超點」的「中英文點字編輯器」程式可以讀取。</a:t>
             </a:r>
             <a:endParaRPr lang="en-US" altLang="zh-TW" dirty="0"/>
           </a:p>
@@ -5472,18 +5844,30 @@
               <a:rPr lang="zh-TW" altLang="en-US" dirty="0"/>
               <a:t>」功能來重新編排內容。</a:t>
             </a:r>
+            <a:endParaRPr lang="en-US" altLang="zh-TW" dirty="0"/>
           </a:p>
           <a:p>
             <a:r>
               <a:rPr lang="zh-TW" altLang="en-US" dirty="0"/>
-              <a:t>增加上表格線和下表格線。</a:t>
-            </a:r>
-            <a:endParaRPr lang="en-US" altLang="zh-TW" dirty="0"/>
-          </a:p>
-          <a:p>
+              <a:t>雙視編輯模式下，現在可以「</a:t>
+            </a:r>
+            <a:r>
+              <a:rPr lang="zh-TW" altLang="en-US" b="1" dirty="0">
+                <a:solidFill>
+                  <a:srgbClr val="C00000"/>
+                </a:solidFill>
+              </a:rPr>
+              <a:t>插入一串文字</a:t>
+            </a:r>
             <a:r>
               <a:rPr lang="zh-TW" altLang="en-US" dirty="0"/>
-              <a:t>新增 </a:t>
+              <a:t>」。</a:t>
+            </a:r>
+          </a:p>
+          <a:p>
+            <a:r>
+              <a:rPr lang="zh-TW" altLang="en-US" dirty="0"/>
+              <a:t>增加更多標籤、符號。例如：上表格線和下表格線，</a:t>
             </a:r>
             <a:r>
               <a:rPr lang="en-US" altLang="zh-TW" b="1" dirty="0">
@@ -5515,52 +5899,7 @@
             </a:r>
             <a:r>
               <a:rPr lang="zh-TW" altLang="en-US" dirty="0"/>
-              <a:t>標籤。例如：</a:t>
-            </a:r>
-            <a:r>
-              <a:rPr lang="en-US" altLang="zh-TW" dirty="0"/>
-              <a:t>&lt;</a:t>
-            </a:r>
-            <a:r>
-              <a:rPr lang="zh-TW" altLang="en-US" dirty="0"/>
-              <a:t>選項</a:t>
-            </a:r>
-            <a:r>
-              <a:rPr lang="en-US" altLang="zh-TW" dirty="0"/>
-              <a:t>&gt;</a:t>
-            </a:r>
-            <a:r>
-              <a:rPr lang="zh-TW" altLang="en-US" dirty="0"/>
-              <a:t>ㄅ</a:t>
-            </a:r>
-            <a:r>
-              <a:rPr lang="en-US" altLang="zh-TW" dirty="0"/>
-              <a:t>.&lt;</a:t>
-            </a:r>
-            <a:r>
-              <a:rPr lang="zh-TW" altLang="en-US" dirty="0"/>
-              <a:t>選項</a:t>
-            </a:r>
-            <a:r>
-              <a:rPr lang="en-US" altLang="zh-TW" dirty="0"/>
-              <a:t>&gt;</a:t>
-            </a:r>
-            <a:r>
-              <a:rPr lang="zh-TW" altLang="en-US" dirty="0"/>
-              <a:t>。</a:t>
-            </a:r>
-          </a:p>
-          <a:p>
-            <a:r>
-              <a:rPr lang="zh-TW" altLang="en-US" dirty="0"/>
-              <a:t>增加「目次」刪節號（目錄的點點符號）。</a:t>
-            </a:r>
-            <a:endParaRPr lang="en-US" altLang="zh-TW" dirty="0"/>
-          </a:p>
-          <a:p>
-            <a:r>
-              <a:rPr lang="zh-TW" altLang="en-US" dirty="0"/>
-              <a:t>增加 </a:t>
+              <a:t>標籤（可用於選擇題的題號）、「目次」刪節號（目錄的點點符號），以及 </a:t>
             </a:r>
             <a:r>
               <a:rPr lang="en-US" altLang="zh-TW" b="1" dirty="0">
@@ -5592,7 +5931,7 @@
             </a:r>
             <a:r>
               <a:rPr lang="zh-TW" altLang="en-US" dirty="0"/>
-              <a:t>標籤來強制數字使用上位點。</a:t>
+              <a:t>標籤（可強制數字使用上位點）。</a:t>
             </a:r>
           </a:p>
         </p:txBody>
@@ -5770,6 +6109,132 @@
           <p:cNvPr id="2" name="標題 1">
             <a:extLst>
               <a:ext uri="{FF2B5EF4-FFF2-40B4-BE49-F238E27FC236}">
+                <a16:creationId xmlns:a16="http://schemas.microsoft.com/office/drawing/2014/main" id="{4A261412-A401-4235-B003-5A654967EF85}"/>
+              </a:ext>
+            </a:extLst>
+          </p:cNvPr>
+          <p:cNvSpPr>
+            <a:spLocks noGrp="1"/>
+          </p:cNvSpPr>
+          <p:nvPr>
+            <p:ph type="title"/>
+          </p:nvPr>
+        </p:nvSpPr>
+        <p:spPr/>
+        <p:txBody>
+          <a:bodyPr/>
+          <a:lstStyle/>
+          <a:p>
+            <a:r>
+              <a:rPr lang="zh-TW" altLang="en-US" dirty="0"/>
+              <a:t>插入一串文字（雙視編輯模式）</a:t>
+            </a:r>
+          </a:p>
+        </p:txBody>
+      </p:sp>
+      <p:sp>
+        <p:nvSpPr>
+          <p:cNvPr id="3" name="內容版面配置區 2">
+            <a:extLst>
+              <a:ext uri="{FF2B5EF4-FFF2-40B4-BE49-F238E27FC236}">
+                <a16:creationId xmlns:a16="http://schemas.microsoft.com/office/drawing/2014/main" id="{7757038C-9426-4783-B8E1-344AFAD79DDE}"/>
+              </a:ext>
+            </a:extLst>
+          </p:cNvPr>
+          <p:cNvSpPr>
+            <a:spLocks noGrp="1"/>
+          </p:cNvSpPr>
+          <p:nvPr>
+            <p:ph idx="1"/>
+          </p:nvPr>
+        </p:nvSpPr>
+        <p:spPr/>
+        <p:txBody>
+          <a:bodyPr/>
+          <a:lstStyle/>
+          <a:p>
+            <a:r>
+              <a:rPr lang="zh-TW" altLang="en-US" dirty="0"/>
+              <a:t>請看這個示範影片：</a:t>
+            </a:r>
+            <a:endParaRPr lang="en-US" altLang="zh-TW" dirty="0"/>
+          </a:p>
+          <a:p>
+            <a:pPr marL="0" indent="0">
+              <a:buNone/>
+            </a:pPr>
+            <a:endParaRPr lang="zh-TW" altLang="en-US" dirty="0"/>
+          </a:p>
+        </p:txBody>
+      </p:sp>
+      <p:pic>
+        <p:nvPicPr>
+          <p:cNvPr id="4" name="線上媒體 3">
+            <a:hlinkClick r:id="" action="ppaction://media"/>
+            <a:extLst>
+              <a:ext uri="{FF2B5EF4-FFF2-40B4-BE49-F238E27FC236}">
+                <a16:creationId xmlns:a16="http://schemas.microsoft.com/office/drawing/2014/main" id="{02767946-B8C3-414D-BF34-C7ACDA3F2622}"/>
+              </a:ext>
+            </a:extLst>
+          </p:cNvPr>
+          <p:cNvPicPr>
+            <a:picLocks noRot="1" noChangeAspect="1"/>
+          </p:cNvPicPr>
+          <p:nvPr>
+            <a:videoFile r:link="rId1"/>
+          </p:nvPr>
+        </p:nvPicPr>
+        <p:blipFill>
+          <a:blip r:embed="rId3"/>
+          <a:stretch>
+            <a:fillRect/>
+          </a:stretch>
+        </p:blipFill>
+        <p:spPr>
+          <a:xfrm>
+            <a:off x="1941250" y="2460101"/>
+            <a:ext cx="6847643" cy="3851799"/>
+          </a:xfrm>
+          <a:prstGeom prst="rect">
+            <a:avLst/>
+          </a:prstGeom>
+        </p:spPr>
+      </p:pic>
+    </p:spTree>
+    <p:extLst>
+      <p:ext uri="{BB962C8B-B14F-4D97-AF65-F5344CB8AC3E}">
+        <p14:creationId xmlns:p14="http://schemas.microsoft.com/office/powerpoint/2010/main" val="3446119850"/>
+      </p:ext>
+    </p:extLst>
+  </p:cSld>
+  <p:clrMapOvr>
+    <a:masterClrMapping/>
+  </p:clrMapOvr>
+</p:sld>
+</file>
+
+<file path=ppt/slides/slide7.xml><?xml version="1.0" encoding="utf-8"?>
+<p:sld xmlns:a="http://schemas.openxmlformats.org/drawingml/2006/main" xmlns:r="http://schemas.openxmlformats.org/officeDocument/2006/relationships" xmlns:p="http://schemas.openxmlformats.org/presentationml/2006/main">
+  <p:cSld>
+    <p:spTree>
+      <p:nvGrpSpPr>
+        <p:cNvPr id="1" name=""/>
+        <p:cNvGrpSpPr/>
+        <p:nvPr/>
+      </p:nvGrpSpPr>
+      <p:grpSpPr>
+        <a:xfrm>
+          <a:off x="0" y="0"/>
+          <a:ext cx="0" cy="0"/>
+          <a:chOff x="0" y="0"/>
+          <a:chExt cx="0" cy="0"/>
+        </a:xfrm>
+      </p:grpSpPr>
+      <p:sp>
+        <p:nvSpPr>
+          <p:cNvPr id="2" name="標題 1">
+            <a:extLst>
+              <a:ext uri="{FF2B5EF4-FFF2-40B4-BE49-F238E27FC236}">
                 <a16:creationId xmlns:a16="http://schemas.microsoft.com/office/drawing/2014/main" id="{083612A9-21BD-4922-85DB-9D7E3F37968B}"/>
               </a:ext>
             </a:extLst>
@@ -5885,7 +6350,7 @@
 </p:sld>
 </file>
 
-<file path=ppt/slides/slide7.xml><?xml version="1.0" encoding="utf-8"?>
+<file path=ppt/slides/slide8.xml><?xml version="1.0" encoding="utf-8"?>
 <p:sld xmlns:a="http://schemas.openxmlformats.org/drawingml/2006/main" xmlns:r="http://schemas.openxmlformats.org/officeDocument/2006/relationships" xmlns:p="http://schemas.openxmlformats.org/presentationml/2006/main">
   <p:cSld>
     <p:spTree>
@@ -6078,7 +6543,7 @@
 </p:sld>
 </file>
 
-<file path=ppt/slides/slide8.xml><?xml version="1.0" encoding="utf-8"?>
+<file path=ppt/slides/slide9.xml><?xml version="1.0" encoding="utf-8"?>
 <p:sld xmlns:a="http://schemas.openxmlformats.org/drawingml/2006/main" xmlns:r="http://schemas.openxmlformats.org/officeDocument/2006/relationships" xmlns:p="http://schemas.openxmlformats.org/presentationml/2006/main">
   <p:cSld>
     <p:spTree>
@@ -6249,326 +6714,6 @@
     <p:extLst>
       <p:ext uri="{BB962C8B-B14F-4D97-AF65-F5344CB8AC3E}">
         <p14:creationId xmlns:p14="http://schemas.microsoft.com/office/powerpoint/2010/main" val="3411941084"/>
-      </p:ext>
-    </p:extLst>
-  </p:cSld>
-  <p:clrMapOvr>
-    <a:masterClrMapping/>
-  </p:clrMapOvr>
-</p:sld>
-</file>
-
-<file path=ppt/slides/slide9.xml><?xml version="1.0" encoding="utf-8"?>
-<p:sld xmlns:a="http://schemas.openxmlformats.org/drawingml/2006/main" xmlns:r="http://schemas.openxmlformats.org/officeDocument/2006/relationships" xmlns:p="http://schemas.openxmlformats.org/presentationml/2006/main">
-  <p:cSld>
-    <p:spTree>
-      <p:nvGrpSpPr>
-        <p:cNvPr id="1" name=""/>
-        <p:cNvGrpSpPr/>
-        <p:nvPr/>
-      </p:nvGrpSpPr>
-      <p:grpSpPr>
-        <a:xfrm>
-          <a:off x="0" y="0"/>
-          <a:ext cx="0" cy="0"/>
-          <a:chOff x="0" y="0"/>
-          <a:chExt cx="0" cy="0"/>
-        </a:xfrm>
-      </p:grpSpPr>
-      <p:sp>
-        <p:nvSpPr>
-          <p:cNvPr id="2" name="標題 1">
-            <a:extLst>
-              <a:ext uri="{FF2B5EF4-FFF2-40B4-BE49-F238E27FC236}">
-                <a16:creationId xmlns:a16="http://schemas.microsoft.com/office/drawing/2014/main" id="{A20933C2-BFD3-413C-B809-C369D57B4E11}"/>
-              </a:ext>
-            </a:extLst>
-          </p:cNvPr>
-          <p:cNvSpPr>
-            <a:spLocks noGrp="1"/>
-          </p:cNvSpPr>
-          <p:nvPr>
-            <p:ph type="title"/>
-          </p:nvPr>
-        </p:nvSpPr>
-        <p:spPr/>
-        <p:txBody>
-          <a:bodyPr/>
-          <a:lstStyle/>
-          <a:p>
-            <a:r>
-              <a:rPr lang="zh-CN" altLang="en-US" dirty="0"/>
-              <a:t>上表格線與下表格線</a:t>
-            </a:r>
-            <a:endParaRPr lang="zh-TW" altLang="en-US" dirty="0"/>
-          </a:p>
-        </p:txBody>
-      </p:sp>
-      <p:pic>
-        <p:nvPicPr>
-          <p:cNvPr id="4" name="圖片 3">
-            <a:extLst>
-              <a:ext uri="{FF2B5EF4-FFF2-40B4-BE49-F238E27FC236}">
-                <a16:creationId xmlns:a16="http://schemas.microsoft.com/office/drawing/2014/main" id="{F298D46D-8457-4E87-8C61-1DB5B84CE97B}"/>
-              </a:ext>
-            </a:extLst>
-          </p:cNvPr>
-          <p:cNvPicPr>
-            <a:picLocks noChangeAspect="1"/>
-          </p:cNvPicPr>
-          <p:nvPr/>
-        </p:nvPicPr>
-        <p:blipFill>
-          <a:blip r:embed="rId2"/>
-          <a:stretch>
-            <a:fillRect/>
-          </a:stretch>
-        </p:blipFill>
-        <p:spPr>
-          <a:xfrm>
-            <a:off x="838200" y="1642767"/>
-            <a:ext cx="2645684" cy="3572465"/>
-          </a:xfrm>
-          <a:prstGeom prst="rect">
-            <a:avLst/>
-          </a:prstGeom>
-        </p:spPr>
-      </p:pic>
-      <p:pic>
-        <p:nvPicPr>
-          <p:cNvPr id="1026" name="Picture 2" descr="C:\Users\Huanlin\AppData\Local\Temp\SNAGHTML4f2dcd5.PNG">
-            <a:extLst>
-              <a:ext uri="{FF2B5EF4-FFF2-40B4-BE49-F238E27FC236}">
-                <a16:creationId xmlns:a16="http://schemas.microsoft.com/office/drawing/2014/main" id="{245C101B-2730-4B19-80AD-5A27CDBDCCBF}"/>
-              </a:ext>
-            </a:extLst>
-          </p:cNvPr>
-          <p:cNvPicPr>
-            <a:picLocks noChangeAspect="1" noChangeArrowheads="1"/>
-          </p:cNvPicPr>
-          <p:nvPr/>
-        </p:nvPicPr>
-        <p:blipFill>
-          <a:blip r:embed="rId3">
-            <a:extLst>
-              <a:ext uri="{28A0092B-C50C-407E-A947-70E740481C1C}">
-                <a14:useLocalDpi xmlns:a14="http://schemas.microsoft.com/office/drawing/2010/main" val="0"/>
-              </a:ext>
-            </a:extLst>
-          </a:blip>
-          <a:srcRect/>
-          <a:stretch>
-            <a:fillRect/>
-          </a:stretch>
-        </p:blipFill>
-        <p:spPr bwMode="auto">
-          <a:xfrm>
-            <a:off x="4680821" y="1397725"/>
-            <a:ext cx="7135542" cy="4967055"/>
-          </a:xfrm>
-          <a:prstGeom prst="rect">
-            <a:avLst/>
-          </a:prstGeom>
-          <a:noFill/>
-          <a:extLst>
-            <a:ext uri="{909E8E84-426E-40DD-AFC4-6F175D3DCCD1}">
-              <a14:hiddenFill xmlns:a14="http://schemas.microsoft.com/office/drawing/2010/main">
-                <a:solidFill>
-                  <a:srgbClr val="FFFFFF"/>
-                </a:solidFill>
-              </a14:hiddenFill>
-            </a:ext>
-          </a:extLst>
-        </p:spPr>
-      </p:pic>
-      <p:sp>
-        <p:nvSpPr>
-          <p:cNvPr id="11" name="箭號: 向右 10">
-            <a:extLst>
-              <a:ext uri="{FF2B5EF4-FFF2-40B4-BE49-F238E27FC236}">
-                <a16:creationId xmlns:a16="http://schemas.microsoft.com/office/drawing/2014/main" id="{CB69BACB-0E04-4F3A-B203-28BA7D0FC134}"/>
-              </a:ext>
-            </a:extLst>
-          </p:cNvPr>
-          <p:cNvSpPr/>
-          <p:nvPr/>
-        </p:nvSpPr>
-        <p:spPr>
-          <a:xfrm rot="636455">
-            <a:off x="3399969" y="2007228"/>
-            <a:ext cx="1270954" cy="239464"/>
-          </a:xfrm>
-          <a:prstGeom prst="rightArrow">
-            <a:avLst/>
-          </a:prstGeom>
-        </p:spPr>
-        <p:style>
-          <a:lnRef idx="2">
-            <a:schemeClr val="accent1">
-              <a:shade val="50000"/>
-            </a:schemeClr>
-          </a:lnRef>
-          <a:fillRef idx="1">
-            <a:schemeClr val="accent1"/>
-          </a:fillRef>
-          <a:effectRef idx="0">
-            <a:schemeClr val="accent1"/>
-          </a:effectRef>
-          <a:fontRef idx="minor">
-            <a:schemeClr val="lt1"/>
-          </a:fontRef>
-        </p:style>
-        <p:txBody>
-          <a:bodyPr rtlCol="0" anchor="ctr"/>
-          <a:lstStyle/>
-          <a:p>
-            <a:pPr algn="ctr"/>
-            <a:endParaRPr lang="zh-TW" altLang="en-US"/>
-          </a:p>
-        </p:txBody>
-      </p:sp>
-      <p:sp>
-        <p:nvSpPr>
-          <p:cNvPr id="13" name="箭號: 向右 12">
-            <a:extLst>
-              <a:ext uri="{FF2B5EF4-FFF2-40B4-BE49-F238E27FC236}">
-                <a16:creationId xmlns:a16="http://schemas.microsoft.com/office/drawing/2014/main" id="{3019C19D-65BA-41D5-960D-BA77BCB0EAFE}"/>
-              </a:ext>
-            </a:extLst>
-          </p:cNvPr>
-          <p:cNvSpPr/>
-          <p:nvPr/>
-        </p:nvSpPr>
-        <p:spPr>
-          <a:xfrm rot="2049698">
-            <a:off x="3281556" y="2868617"/>
-            <a:ext cx="1891982" cy="199426"/>
-          </a:xfrm>
-          <a:prstGeom prst="rightArrow">
-            <a:avLst/>
-          </a:prstGeom>
-        </p:spPr>
-        <p:style>
-          <a:lnRef idx="2">
-            <a:schemeClr val="accent1">
-              <a:shade val="50000"/>
-            </a:schemeClr>
-          </a:lnRef>
-          <a:fillRef idx="1">
-            <a:schemeClr val="accent1"/>
-          </a:fillRef>
-          <a:effectRef idx="0">
-            <a:schemeClr val="accent1"/>
-          </a:effectRef>
-          <a:fontRef idx="minor">
-            <a:schemeClr val="lt1"/>
-          </a:fontRef>
-        </p:style>
-        <p:txBody>
-          <a:bodyPr rtlCol="0" anchor="ctr"/>
-          <a:lstStyle/>
-          <a:p>
-            <a:pPr algn="ctr"/>
-            <a:endParaRPr lang="zh-TW" altLang="en-US"/>
-          </a:p>
-        </p:txBody>
-      </p:sp>
-      <p:sp>
-        <p:nvSpPr>
-          <p:cNvPr id="14" name="箭號: 向右 13">
-            <a:extLst>
-              <a:ext uri="{FF2B5EF4-FFF2-40B4-BE49-F238E27FC236}">
-                <a16:creationId xmlns:a16="http://schemas.microsoft.com/office/drawing/2014/main" id="{FB09E267-1252-4F19-BEEE-D2B2E3DD1029}"/>
-              </a:ext>
-            </a:extLst>
-          </p:cNvPr>
-          <p:cNvSpPr/>
-          <p:nvPr/>
-        </p:nvSpPr>
-        <p:spPr>
-          <a:xfrm rot="2767485">
-            <a:off x="3049400" y="3592150"/>
-            <a:ext cx="2292906" cy="210463"/>
-          </a:xfrm>
-          <a:prstGeom prst="rightArrow">
-            <a:avLst/>
-          </a:prstGeom>
-        </p:spPr>
-        <p:style>
-          <a:lnRef idx="2">
-            <a:schemeClr val="accent1">
-              <a:shade val="50000"/>
-            </a:schemeClr>
-          </a:lnRef>
-          <a:fillRef idx="1">
-            <a:schemeClr val="accent1"/>
-          </a:fillRef>
-          <a:effectRef idx="0">
-            <a:schemeClr val="accent1"/>
-          </a:effectRef>
-          <a:fontRef idx="minor">
-            <a:schemeClr val="lt1"/>
-          </a:fontRef>
-        </p:style>
-        <p:txBody>
-          <a:bodyPr rtlCol="0" anchor="ctr"/>
-          <a:lstStyle/>
-          <a:p>
-            <a:pPr algn="ctr"/>
-            <a:endParaRPr lang="zh-TW" altLang="en-US"/>
-          </a:p>
-        </p:txBody>
-      </p:sp>
-      <p:sp>
-        <p:nvSpPr>
-          <p:cNvPr id="15" name="箭號: 向右 14">
-            <a:extLst>
-              <a:ext uri="{FF2B5EF4-FFF2-40B4-BE49-F238E27FC236}">
-                <a16:creationId xmlns:a16="http://schemas.microsoft.com/office/drawing/2014/main" id="{5BF8E7E0-08E5-4C66-8A3E-23FDC28D1516}"/>
-              </a:ext>
-            </a:extLst>
-          </p:cNvPr>
-          <p:cNvSpPr/>
-          <p:nvPr/>
-        </p:nvSpPr>
-        <p:spPr>
-          <a:xfrm rot="3241004">
-            <a:off x="2702128" y="4336970"/>
-            <a:ext cx="2760447" cy="221104"/>
-          </a:xfrm>
-          <a:prstGeom prst="rightArrow">
-            <a:avLst/>
-          </a:prstGeom>
-        </p:spPr>
-        <p:style>
-          <a:lnRef idx="2">
-            <a:schemeClr val="accent1">
-              <a:shade val="50000"/>
-            </a:schemeClr>
-          </a:lnRef>
-          <a:fillRef idx="1">
-            <a:schemeClr val="accent1"/>
-          </a:fillRef>
-          <a:effectRef idx="0">
-            <a:schemeClr val="accent1"/>
-          </a:effectRef>
-          <a:fontRef idx="minor">
-            <a:schemeClr val="lt1"/>
-          </a:fontRef>
-        </p:style>
-        <p:txBody>
-          <a:bodyPr rtlCol="0" anchor="ctr"/>
-          <a:lstStyle/>
-          <a:p>
-            <a:pPr algn="ctr"/>
-            <a:endParaRPr lang="zh-TW" altLang="en-US"/>
-          </a:p>
-        </p:txBody>
-      </p:sp>
-    </p:spTree>
-    <p:extLst>
-      <p:ext uri="{BB962C8B-B14F-4D97-AF65-F5344CB8AC3E}">
-        <p14:creationId xmlns:p14="http://schemas.microsoft.com/office/powerpoint/2010/main" val="1561461948"/>
       </p:ext>
     </p:extLst>
   </p:cSld>
